--- a/RTA.pptx
+++ b/RTA.pptx
@@ -5,21 +5,15 @@
     <p:sldMasterId id="2147483648" r:id="rId1"/>
   </p:sldMasterIdLst>
   <p:notesMasterIdLst>
-    <p:notesMasterId r:id="rId14"/>
+    <p:notesMasterId r:id="rId8"/>
   </p:notesMasterIdLst>
   <p:sldIdLst>
     <p:sldId id="256" r:id="rId2"/>
     <p:sldId id="259" r:id="rId3"/>
     <p:sldId id="260" r:id="rId4"/>
-    <p:sldId id="266" r:id="rId5"/>
-    <p:sldId id="267" r:id="rId6"/>
-    <p:sldId id="262" r:id="rId7"/>
-    <p:sldId id="268" r:id="rId8"/>
-    <p:sldId id="263" r:id="rId9"/>
-    <p:sldId id="269" r:id="rId10"/>
-    <p:sldId id="265" r:id="rId11"/>
-    <p:sldId id="270" r:id="rId12"/>
-    <p:sldId id="271" r:id="rId13"/>
+    <p:sldId id="262" r:id="rId5"/>
+    <p:sldId id="263" r:id="rId6"/>
+    <p:sldId id="265" r:id="rId7"/>
   </p:sldIdLst>
   <p:sldSz cx="12192000" cy="6858000"/>
   <p:notesSz cx="6858000" cy="9144000"/>
@@ -148,7 +142,7 @@
   <pc:docChgLst>
     <pc:chgData name="拓実 上島" userId="ac97f98430ad3832" providerId="LiveId" clId="{301795DD-1115-4076-85F6-CEC2F4BB6D1C}"/>
     <pc:docChg chg="undo custSel addSld delSld modSld">
-      <pc:chgData name="拓実 上島" userId="ac97f98430ad3832" providerId="LiveId" clId="{301795DD-1115-4076-85F6-CEC2F4BB6D1C}" dt="2026-01-18T19:09:49.571" v="1692"/>
+      <pc:chgData name="拓実 上島" userId="ac97f98430ad3832" providerId="LiveId" clId="{301795DD-1115-4076-85F6-CEC2F4BB6D1C}" dt="2026-01-19T09:48:20.716" v="1770" actId="47"/>
       <pc:docMkLst>
         <pc:docMk/>
       </pc:docMkLst>
@@ -236,8 +230,8 @@
           <pc:sldMk cId="4091514480" sldId="259"/>
         </pc:sldMkLst>
       </pc:sldChg>
-      <pc:sldChg chg="modSp add mod">
-        <pc:chgData name="拓実 上島" userId="ac97f98430ad3832" providerId="LiveId" clId="{301795DD-1115-4076-85F6-CEC2F4BB6D1C}" dt="2026-01-18T19:09:11.944" v="1673"/>
+      <pc:sldChg chg="addSp modSp add mod">
+        <pc:chgData name="拓実 上島" userId="ac97f98430ad3832" providerId="LiveId" clId="{301795DD-1115-4076-85F6-CEC2F4BB6D1C}" dt="2026-01-19T09:33:05.033" v="1721" actId="1076"/>
         <pc:sldMkLst>
           <pc:docMk/>
           <pc:sldMk cId="328196291" sldId="260"/>
@@ -258,6 +252,22 @@
             <ac:spMk id="3" creationId="{94A36450-D06A-BCAA-062D-8C15E32C8685}"/>
           </ac:spMkLst>
         </pc:spChg>
+        <pc:picChg chg="add mod modCrop">
+          <ac:chgData name="拓実 上島" userId="ac97f98430ad3832" providerId="LiveId" clId="{301795DD-1115-4076-85F6-CEC2F4BB6D1C}" dt="2026-01-19T09:33:05.033" v="1721" actId="1076"/>
+          <ac:picMkLst>
+            <pc:docMk/>
+            <pc:sldMk cId="328196291" sldId="260"/>
+            <ac:picMk id="5" creationId="{4FDC71AB-79C0-F1C3-35B7-5139B30F0A03}"/>
+          </ac:picMkLst>
+        </pc:picChg>
+        <pc:picChg chg="add mod modCrop">
+          <ac:chgData name="拓実 上島" userId="ac97f98430ad3832" providerId="LiveId" clId="{301795DD-1115-4076-85F6-CEC2F4BB6D1C}" dt="2026-01-19T09:33:03.477" v="1720" actId="1076"/>
+          <ac:picMkLst>
+            <pc:docMk/>
+            <pc:sldMk cId="328196291" sldId="260"/>
+            <ac:picMk id="6" creationId="{D2628154-9046-26F3-11B3-C3319994E4CE}"/>
+          </ac:picMkLst>
+        </pc:picChg>
       </pc:sldChg>
       <pc:sldChg chg="del">
         <pc:chgData name="拓実 上島" userId="ac97f98430ad3832" providerId="LiveId" clId="{301795DD-1115-4076-85F6-CEC2F4BB6D1C}" dt="2026-01-18T18:04:54.786" v="1" actId="47"/>
@@ -273,8 +283,8 @@
           <pc:sldMk cId="4065559491" sldId="261"/>
         </pc:sldMkLst>
       </pc:sldChg>
-      <pc:sldChg chg="modSp add mod">
-        <pc:chgData name="拓実 上島" userId="ac97f98430ad3832" providerId="LiveId" clId="{301795DD-1115-4076-85F6-CEC2F4BB6D1C}" dt="2026-01-18T19:09:35.499" v="1684"/>
+      <pc:sldChg chg="addSp delSp modSp add mod">
+        <pc:chgData name="拓実 上島" userId="ac97f98430ad3832" providerId="LiveId" clId="{301795DD-1115-4076-85F6-CEC2F4BB6D1C}" dt="2026-01-19T09:39:40.460" v="1739" actId="1076"/>
         <pc:sldMkLst>
           <pc:docMk/>
           <pc:sldMk cId="1957511928" sldId="262"/>
@@ -295,6 +305,22 @@
             <ac:spMk id="3" creationId="{819488DE-785F-9523-3C8E-AD05BEE75BA9}"/>
           </ac:spMkLst>
         </pc:spChg>
+        <pc:picChg chg="add del mod modCrop">
+          <ac:chgData name="拓実 上島" userId="ac97f98430ad3832" providerId="LiveId" clId="{301795DD-1115-4076-85F6-CEC2F4BB6D1C}" dt="2026-01-19T09:39:36.309" v="1737" actId="478"/>
+          <ac:picMkLst>
+            <pc:docMk/>
+            <pc:sldMk cId="1957511928" sldId="262"/>
+            <ac:picMk id="5" creationId="{6EC4C08D-4B94-E328-7D55-F3E29FDE7D7C}"/>
+          </ac:picMkLst>
+        </pc:picChg>
+        <pc:picChg chg="add mod">
+          <ac:chgData name="拓実 上島" userId="ac97f98430ad3832" providerId="LiveId" clId="{301795DD-1115-4076-85F6-CEC2F4BB6D1C}" dt="2026-01-19T09:39:40.460" v="1739" actId="1076"/>
+          <ac:picMkLst>
+            <pc:docMk/>
+            <pc:sldMk cId="1957511928" sldId="262"/>
+            <ac:picMk id="8" creationId="{5A1B9722-F1BA-A642-B1AE-5D13108481E3}"/>
+          </ac:picMkLst>
+        </pc:picChg>
       </pc:sldChg>
       <pc:sldChg chg="del">
         <pc:chgData name="拓実 上島" userId="ac97f98430ad3832" providerId="LiveId" clId="{301795DD-1115-4076-85F6-CEC2F4BB6D1C}" dt="2026-01-18T18:04:55.666" v="2" actId="47"/>
@@ -303,8 +329,8 @@
           <pc:sldMk cId="2583608841" sldId="262"/>
         </pc:sldMkLst>
       </pc:sldChg>
-      <pc:sldChg chg="modSp add mod">
-        <pc:chgData name="拓実 上島" userId="ac97f98430ad3832" providerId="LiveId" clId="{301795DD-1115-4076-85F6-CEC2F4BB6D1C}" dt="2026-01-18T19:09:39.517" v="1688"/>
+      <pc:sldChg chg="addSp modSp add mod">
+        <pc:chgData name="拓実 上島" userId="ac97f98430ad3832" providerId="LiveId" clId="{301795DD-1115-4076-85F6-CEC2F4BB6D1C}" dt="2026-01-19T09:41:54.806" v="1753" actId="1076"/>
         <pc:sldMkLst>
           <pc:docMk/>
           <pc:sldMk cId="1475093117" sldId="263"/>
@@ -325,6 +351,22 @@
             <ac:spMk id="3" creationId="{61D65F61-252D-3800-616A-0520F9907C1D}"/>
           </ac:spMkLst>
         </pc:spChg>
+        <pc:picChg chg="add mod">
+          <ac:chgData name="拓実 上島" userId="ac97f98430ad3832" providerId="LiveId" clId="{301795DD-1115-4076-85F6-CEC2F4BB6D1C}" dt="2026-01-19T09:41:33.872" v="1751" actId="1076"/>
+          <ac:picMkLst>
+            <pc:docMk/>
+            <pc:sldMk cId="1475093117" sldId="263"/>
+            <ac:picMk id="5" creationId="{7442C12F-DA64-B93E-C411-ABCA5E607A70}"/>
+          </ac:picMkLst>
+        </pc:picChg>
+        <pc:picChg chg="add mod">
+          <ac:chgData name="拓実 上島" userId="ac97f98430ad3832" providerId="LiveId" clId="{301795DD-1115-4076-85F6-CEC2F4BB6D1C}" dt="2026-01-19T09:41:54.806" v="1753" actId="1076"/>
+          <ac:picMkLst>
+            <pc:docMk/>
+            <pc:sldMk cId="1475093117" sldId="263"/>
+            <ac:picMk id="8" creationId="{04271FE5-1F04-9408-3432-6355E13EB1E7}"/>
+          </ac:picMkLst>
+        </pc:picChg>
       </pc:sldChg>
       <pc:sldChg chg="add del">
         <pc:chgData name="拓実 上島" userId="ac97f98430ad3832" providerId="LiveId" clId="{301795DD-1115-4076-85F6-CEC2F4BB6D1C}" dt="2026-01-18T19:04:54.275" v="1489" actId="47"/>
@@ -333,8 +375,8 @@
           <pc:sldMk cId="1058939138" sldId="264"/>
         </pc:sldMkLst>
       </pc:sldChg>
-      <pc:sldChg chg="modSp add mod">
-        <pc:chgData name="拓実 上島" userId="ac97f98430ad3832" providerId="LiveId" clId="{301795DD-1115-4076-85F6-CEC2F4BB6D1C}" dt="2026-01-18T19:09:49.571" v="1692"/>
+      <pc:sldChg chg="addSp modSp add mod">
+        <pc:chgData name="拓実 上島" userId="ac97f98430ad3832" providerId="LiveId" clId="{301795DD-1115-4076-85F6-CEC2F4BB6D1C}" dt="2026-01-19T09:48:15.093" v="1769" actId="1076"/>
         <pc:sldMkLst>
           <pc:docMk/>
           <pc:sldMk cId="3065957769" sldId="265"/>
@@ -355,12 +397,78 @@
             <ac:spMk id="3" creationId="{5BDCD384-30F8-E590-2F2D-12B65CA7B883}"/>
           </ac:spMkLst>
         </pc:spChg>
+        <pc:picChg chg="add mod modCrop">
+          <ac:chgData name="拓実 上島" userId="ac97f98430ad3832" providerId="LiveId" clId="{301795DD-1115-4076-85F6-CEC2F4BB6D1C}" dt="2026-01-19T09:48:15.093" v="1769" actId="1076"/>
+          <ac:picMkLst>
+            <pc:docMk/>
+            <pc:sldMk cId="3065957769" sldId="265"/>
+            <ac:picMk id="5" creationId="{ADCA6EAA-FAE3-A282-C864-76B5E0FB8F6D}"/>
+          </ac:picMkLst>
+        </pc:picChg>
+        <pc:picChg chg="add mod modCrop">
+          <ac:chgData name="拓実 上島" userId="ac97f98430ad3832" providerId="LiveId" clId="{301795DD-1115-4076-85F6-CEC2F4BB6D1C}" dt="2026-01-19T09:48:07.481" v="1767" actId="1076"/>
+          <ac:picMkLst>
+            <pc:docMk/>
+            <pc:sldMk cId="3065957769" sldId="265"/>
+            <ac:picMk id="6" creationId="{3B56E2ED-C3B8-540D-54B9-3283DC49AEDD}"/>
+          </ac:picMkLst>
+        </pc:picChg>
+      </pc:sldChg>
+      <pc:sldChg chg="del">
+        <pc:chgData name="拓実 上島" userId="ac97f98430ad3832" providerId="LiveId" clId="{301795DD-1115-4076-85F6-CEC2F4BB6D1C}" dt="2026-01-19T09:34:46.939" v="1722" actId="47"/>
+        <pc:sldMkLst>
+          <pc:docMk/>
+          <pc:sldMk cId="2087540895" sldId="266"/>
+        </pc:sldMkLst>
       </pc:sldChg>
       <pc:sldChg chg="add del">
         <pc:chgData name="拓実 上島" userId="ac97f98430ad3832" providerId="LiveId" clId="{301795DD-1115-4076-85F6-CEC2F4BB6D1C}" dt="2026-01-18T19:07:14.080" v="1624" actId="47"/>
         <pc:sldMkLst>
           <pc:docMk/>
           <pc:sldMk cId="2119564971" sldId="266"/>
+        </pc:sldMkLst>
+      </pc:sldChg>
+      <pc:sldChg chg="del">
+        <pc:chgData name="拓実 上島" userId="ac97f98430ad3832" providerId="LiveId" clId="{301795DD-1115-4076-85F6-CEC2F4BB6D1C}" dt="2026-01-19T09:34:48.331" v="1723" actId="47"/>
+        <pc:sldMkLst>
+          <pc:docMk/>
+          <pc:sldMk cId="2162149097" sldId="267"/>
+        </pc:sldMkLst>
+      </pc:sldChg>
+      <pc:sldChg chg="del">
+        <pc:chgData name="拓実 上島" userId="ac97f98430ad3832" providerId="LiveId" clId="{301795DD-1115-4076-85F6-CEC2F4BB6D1C}" dt="2026-01-19T09:36:21.594" v="1728" actId="47"/>
+        <pc:sldMkLst>
+          <pc:docMk/>
+          <pc:sldMk cId="331180931" sldId="268"/>
+        </pc:sldMkLst>
+      </pc:sldChg>
+      <pc:sldChg chg="modSp del mod">
+        <pc:chgData name="拓実 上島" userId="ac97f98430ad3832" providerId="LiveId" clId="{301795DD-1115-4076-85F6-CEC2F4BB6D1C}" dt="2026-01-19T09:42:09.592" v="1754" actId="47"/>
+        <pc:sldMkLst>
+          <pc:docMk/>
+          <pc:sldMk cId="1726335134" sldId="269"/>
+        </pc:sldMkLst>
+        <pc:picChg chg="mod modCrop">
+          <ac:chgData name="拓実 上島" userId="ac97f98430ad3832" providerId="LiveId" clId="{301795DD-1115-4076-85F6-CEC2F4BB6D1C}" dt="2026-01-19T09:37:00.812" v="1731" actId="732"/>
+          <ac:picMkLst>
+            <pc:docMk/>
+            <pc:sldMk cId="1726335134" sldId="269"/>
+            <ac:picMk id="6" creationId="{0672A7B3-F2A4-536B-BA1F-2AFB479E459A}"/>
+          </ac:picMkLst>
+        </pc:picChg>
+      </pc:sldChg>
+      <pc:sldChg chg="del">
+        <pc:chgData name="拓実 上島" userId="ac97f98430ad3832" providerId="LiveId" clId="{301795DD-1115-4076-85F6-CEC2F4BB6D1C}" dt="2026-01-19T09:43:17.716" v="1760" actId="47"/>
+        <pc:sldMkLst>
+          <pc:docMk/>
+          <pc:sldMk cId="1494506684" sldId="270"/>
+        </pc:sldMkLst>
+      </pc:sldChg>
+      <pc:sldChg chg="del">
+        <pc:chgData name="拓実 上島" userId="ac97f98430ad3832" providerId="LiveId" clId="{301795DD-1115-4076-85F6-CEC2F4BB6D1C}" dt="2026-01-19T09:48:20.716" v="1770" actId="47"/>
+        <pc:sldMkLst>
+          <pc:docMk/>
+          <pc:sldMk cId="3824570756" sldId="271"/>
         </pc:sldMkLst>
       </pc:sldChg>
     </pc:docChg>
@@ -868,330 +976,6 @@
 </p:notes>
 </file>
 
-<file path=ppt/notesSlides/notesSlide10.xml><?xml version="1.0" encoding="utf-8"?>
-<p:notes xmlns:a="http://schemas.openxmlformats.org/drawingml/2006/main" xmlns:r="http://schemas.openxmlformats.org/officeDocument/2006/relationships" xmlns:p="http://schemas.openxmlformats.org/presentationml/2006/main">
-  <p:cSld>
-    <p:spTree>
-      <p:nvGrpSpPr>
-        <p:cNvPr id="1" name="">
-          <a:extLst>
-            <a:ext uri="{FF2B5EF4-FFF2-40B4-BE49-F238E27FC236}">
-              <a16:creationId xmlns:a16="http://schemas.microsoft.com/office/drawing/2014/main" id="{DCAFC49C-3643-7713-6DE7-EDDD608089E9}"/>
-            </a:ext>
-          </a:extLst>
-        </p:cNvPr>
-        <p:cNvGrpSpPr/>
-        <p:nvPr/>
-      </p:nvGrpSpPr>
-      <p:grpSpPr>
-        <a:xfrm>
-          <a:off x="0" y="0"/>
-          <a:ext cx="0" cy="0"/>
-          <a:chOff x="0" y="0"/>
-          <a:chExt cx="0" cy="0"/>
-        </a:xfrm>
-      </p:grpSpPr>
-      <p:sp>
-        <p:nvSpPr>
-          <p:cNvPr id="2" name="スライド イメージ プレースホルダー 1">
-            <a:extLst>
-              <a:ext uri="{FF2B5EF4-FFF2-40B4-BE49-F238E27FC236}">
-                <a16:creationId xmlns:a16="http://schemas.microsoft.com/office/drawing/2014/main" id="{B47A184C-539D-4949-ADC4-18D60DC69772}"/>
-              </a:ext>
-            </a:extLst>
-          </p:cNvPr>
-          <p:cNvSpPr>
-            <a:spLocks noGrp="1" noRot="1" noChangeAspect="1"/>
-          </p:cNvSpPr>
-          <p:nvPr>
-            <p:ph type="sldImg"/>
-          </p:nvPr>
-        </p:nvSpPr>
-        <p:spPr/>
-      </p:sp>
-      <p:sp>
-        <p:nvSpPr>
-          <p:cNvPr id="3" name="ノート プレースホルダー 2">
-            <a:extLst>
-              <a:ext uri="{FF2B5EF4-FFF2-40B4-BE49-F238E27FC236}">
-                <a16:creationId xmlns:a16="http://schemas.microsoft.com/office/drawing/2014/main" id="{0BC21319-053C-6197-3203-E33CC42ACB10}"/>
-              </a:ext>
-            </a:extLst>
-          </p:cNvPr>
-          <p:cNvSpPr>
-            <a:spLocks noGrp="1"/>
-          </p:cNvSpPr>
-          <p:nvPr>
-            <p:ph type="body" idx="1"/>
-          </p:nvPr>
-        </p:nvSpPr>
-        <p:spPr/>
-        <p:txBody>
-          <a:bodyPr/>
-          <a:lstStyle/>
-          <a:p>
-            <a:endParaRPr kumimoji="1" lang="ja-JP" altLang="en-US" dirty="0"/>
-          </a:p>
-        </p:txBody>
-      </p:sp>
-      <p:sp>
-        <p:nvSpPr>
-          <p:cNvPr id="4" name="スライド番号プレースホルダー 3">
-            <a:extLst>
-              <a:ext uri="{FF2B5EF4-FFF2-40B4-BE49-F238E27FC236}">
-                <a16:creationId xmlns:a16="http://schemas.microsoft.com/office/drawing/2014/main" id="{2DDFDBDA-740F-465A-F646-06360A0A2E72}"/>
-              </a:ext>
-            </a:extLst>
-          </p:cNvPr>
-          <p:cNvSpPr>
-            <a:spLocks noGrp="1"/>
-          </p:cNvSpPr>
-          <p:nvPr>
-            <p:ph type="sldNum" sz="quarter" idx="5"/>
-          </p:nvPr>
-        </p:nvSpPr>
-        <p:spPr/>
-        <p:txBody>
-          <a:bodyPr/>
-          <a:lstStyle/>
-          <a:p>
-            <a:fld id="{66CF2EA3-263D-2548-8E54-88545A0184E9}" type="slidenum">
-              <a:rPr kumimoji="1" lang="ja-JP" altLang="en-US" smtClean="0"/>
-              <a:t>10</a:t>
-            </a:fld>
-            <a:endParaRPr kumimoji="1" lang="ja-JP" altLang="en-US"/>
-          </a:p>
-        </p:txBody>
-      </p:sp>
-    </p:spTree>
-    <p:extLst>
-      <p:ext uri="{BB962C8B-B14F-4D97-AF65-F5344CB8AC3E}">
-        <p14:creationId xmlns:p14="http://schemas.microsoft.com/office/powerpoint/2010/main" val="216541236"/>
-      </p:ext>
-    </p:extLst>
-  </p:cSld>
-  <p:clrMapOvr>
-    <a:masterClrMapping/>
-  </p:clrMapOvr>
-</p:notes>
-</file>
-
-<file path=ppt/notesSlides/notesSlide11.xml><?xml version="1.0" encoding="utf-8"?>
-<p:notes xmlns:a="http://schemas.openxmlformats.org/drawingml/2006/main" xmlns:r="http://schemas.openxmlformats.org/officeDocument/2006/relationships" xmlns:p="http://schemas.openxmlformats.org/presentationml/2006/main">
-  <p:cSld>
-    <p:spTree>
-      <p:nvGrpSpPr>
-        <p:cNvPr id="1" name="">
-          <a:extLst>
-            <a:ext uri="{FF2B5EF4-FFF2-40B4-BE49-F238E27FC236}">
-              <a16:creationId xmlns:a16="http://schemas.microsoft.com/office/drawing/2014/main" id="{0F40777E-C32B-FE4F-C0EC-7801B6AEF5F8}"/>
-            </a:ext>
-          </a:extLst>
-        </p:cNvPr>
-        <p:cNvGrpSpPr/>
-        <p:nvPr/>
-      </p:nvGrpSpPr>
-      <p:grpSpPr>
-        <a:xfrm>
-          <a:off x="0" y="0"/>
-          <a:ext cx="0" cy="0"/>
-          <a:chOff x="0" y="0"/>
-          <a:chExt cx="0" cy="0"/>
-        </a:xfrm>
-      </p:grpSpPr>
-      <p:sp>
-        <p:nvSpPr>
-          <p:cNvPr id="2" name="スライド イメージ プレースホルダー 1">
-            <a:extLst>
-              <a:ext uri="{FF2B5EF4-FFF2-40B4-BE49-F238E27FC236}">
-                <a16:creationId xmlns:a16="http://schemas.microsoft.com/office/drawing/2014/main" id="{14EAAD4F-1EC2-EE56-2DBD-68DF52D12A1F}"/>
-              </a:ext>
-            </a:extLst>
-          </p:cNvPr>
-          <p:cNvSpPr>
-            <a:spLocks noGrp="1" noRot="1" noChangeAspect="1"/>
-          </p:cNvSpPr>
-          <p:nvPr>
-            <p:ph type="sldImg"/>
-          </p:nvPr>
-        </p:nvSpPr>
-        <p:spPr/>
-      </p:sp>
-      <p:sp>
-        <p:nvSpPr>
-          <p:cNvPr id="3" name="ノート プレースホルダー 2">
-            <a:extLst>
-              <a:ext uri="{FF2B5EF4-FFF2-40B4-BE49-F238E27FC236}">
-                <a16:creationId xmlns:a16="http://schemas.microsoft.com/office/drawing/2014/main" id="{7844FDD1-F4C1-6051-FB5E-D82E092821DA}"/>
-              </a:ext>
-            </a:extLst>
-          </p:cNvPr>
-          <p:cNvSpPr>
-            <a:spLocks noGrp="1"/>
-          </p:cNvSpPr>
-          <p:nvPr>
-            <p:ph type="body" idx="1"/>
-          </p:nvPr>
-        </p:nvSpPr>
-        <p:spPr/>
-        <p:txBody>
-          <a:bodyPr/>
-          <a:lstStyle/>
-          <a:p>
-            <a:endParaRPr kumimoji="1" lang="ja-JP" altLang="en-US" dirty="0"/>
-          </a:p>
-        </p:txBody>
-      </p:sp>
-      <p:sp>
-        <p:nvSpPr>
-          <p:cNvPr id="4" name="スライド番号プレースホルダー 3">
-            <a:extLst>
-              <a:ext uri="{FF2B5EF4-FFF2-40B4-BE49-F238E27FC236}">
-                <a16:creationId xmlns:a16="http://schemas.microsoft.com/office/drawing/2014/main" id="{447D50B7-3120-88BF-6836-0053D818B0F0}"/>
-              </a:ext>
-            </a:extLst>
-          </p:cNvPr>
-          <p:cNvSpPr>
-            <a:spLocks noGrp="1"/>
-          </p:cNvSpPr>
-          <p:nvPr>
-            <p:ph type="sldNum" sz="quarter" idx="5"/>
-          </p:nvPr>
-        </p:nvSpPr>
-        <p:spPr/>
-        <p:txBody>
-          <a:bodyPr/>
-          <a:lstStyle/>
-          <a:p>
-            <a:fld id="{66CF2EA3-263D-2548-8E54-88545A0184E9}" type="slidenum">
-              <a:rPr kumimoji="1" lang="ja-JP" altLang="en-US" smtClean="0"/>
-              <a:t>11</a:t>
-            </a:fld>
-            <a:endParaRPr kumimoji="1" lang="ja-JP" altLang="en-US"/>
-          </a:p>
-        </p:txBody>
-      </p:sp>
-    </p:spTree>
-    <p:extLst>
-      <p:ext uri="{BB962C8B-B14F-4D97-AF65-F5344CB8AC3E}">
-        <p14:creationId xmlns:p14="http://schemas.microsoft.com/office/powerpoint/2010/main" val="3648703484"/>
-      </p:ext>
-    </p:extLst>
-  </p:cSld>
-  <p:clrMapOvr>
-    <a:masterClrMapping/>
-  </p:clrMapOvr>
-</p:notes>
-</file>
-
-<file path=ppt/notesSlides/notesSlide12.xml><?xml version="1.0" encoding="utf-8"?>
-<p:notes xmlns:a="http://schemas.openxmlformats.org/drawingml/2006/main" xmlns:r="http://schemas.openxmlformats.org/officeDocument/2006/relationships" xmlns:p="http://schemas.openxmlformats.org/presentationml/2006/main">
-  <p:cSld>
-    <p:spTree>
-      <p:nvGrpSpPr>
-        <p:cNvPr id="1" name="">
-          <a:extLst>
-            <a:ext uri="{FF2B5EF4-FFF2-40B4-BE49-F238E27FC236}">
-              <a16:creationId xmlns:a16="http://schemas.microsoft.com/office/drawing/2014/main" id="{92F94ADB-DA89-E67B-4715-A05ACD0B2445}"/>
-            </a:ext>
-          </a:extLst>
-        </p:cNvPr>
-        <p:cNvGrpSpPr/>
-        <p:nvPr/>
-      </p:nvGrpSpPr>
-      <p:grpSpPr>
-        <a:xfrm>
-          <a:off x="0" y="0"/>
-          <a:ext cx="0" cy="0"/>
-          <a:chOff x="0" y="0"/>
-          <a:chExt cx="0" cy="0"/>
-        </a:xfrm>
-      </p:grpSpPr>
-      <p:sp>
-        <p:nvSpPr>
-          <p:cNvPr id="2" name="スライド イメージ プレースホルダー 1">
-            <a:extLst>
-              <a:ext uri="{FF2B5EF4-FFF2-40B4-BE49-F238E27FC236}">
-                <a16:creationId xmlns:a16="http://schemas.microsoft.com/office/drawing/2014/main" id="{17938E37-577E-D547-9C06-334CC0F66305}"/>
-              </a:ext>
-            </a:extLst>
-          </p:cNvPr>
-          <p:cNvSpPr>
-            <a:spLocks noGrp="1" noRot="1" noChangeAspect="1"/>
-          </p:cNvSpPr>
-          <p:nvPr>
-            <p:ph type="sldImg"/>
-          </p:nvPr>
-        </p:nvSpPr>
-        <p:spPr/>
-      </p:sp>
-      <p:sp>
-        <p:nvSpPr>
-          <p:cNvPr id="3" name="ノート プレースホルダー 2">
-            <a:extLst>
-              <a:ext uri="{FF2B5EF4-FFF2-40B4-BE49-F238E27FC236}">
-                <a16:creationId xmlns:a16="http://schemas.microsoft.com/office/drawing/2014/main" id="{89D0552B-9197-E567-78F2-AA2E4E86E045}"/>
-              </a:ext>
-            </a:extLst>
-          </p:cNvPr>
-          <p:cNvSpPr>
-            <a:spLocks noGrp="1"/>
-          </p:cNvSpPr>
-          <p:nvPr>
-            <p:ph type="body" idx="1"/>
-          </p:nvPr>
-        </p:nvSpPr>
-        <p:spPr/>
-        <p:txBody>
-          <a:bodyPr/>
-          <a:lstStyle/>
-          <a:p>
-            <a:endParaRPr kumimoji="1" lang="ja-JP" altLang="en-US" dirty="0"/>
-          </a:p>
-        </p:txBody>
-      </p:sp>
-      <p:sp>
-        <p:nvSpPr>
-          <p:cNvPr id="4" name="スライド番号プレースホルダー 3">
-            <a:extLst>
-              <a:ext uri="{FF2B5EF4-FFF2-40B4-BE49-F238E27FC236}">
-                <a16:creationId xmlns:a16="http://schemas.microsoft.com/office/drawing/2014/main" id="{90B72C0C-8111-FF3F-0BB7-CE7917ADD940}"/>
-              </a:ext>
-            </a:extLst>
-          </p:cNvPr>
-          <p:cNvSpPr>
-            <a:spLocks noGrp="1"/>
-          </p:cNvSpPr>
-          <p:nvPr>
-            <p:ph type="sldNum" sz="quarter" idx="5"/>
-          </p:nvPr>
-        </p:nvSpPr>
-        <p:spPr/>
-        <p:txBody>
-          <a:bodyPr/>
-          <a:lstStyle/>
-          <a:p>
-            <a:fld id="{66CF2EA3-263D-2548-8E54-88545A0184E9}" type="slidenum">
-              <a:rPr kumimoji="1" lang="ja-JP" altLang="en-US" smtClean="0"/>
-              <a:t>12</a:t>
-            </a:fld>
-            <a:endParaRPr kumimoji="1" lang="ja-JP" altLang="en-US"/>
-          </a:p>
-        </p:txBody>
-      </p:sp>
-    </p:spTree>
-    <p:extLst>
-      <p:ext uri="{BB962C8B-B14F-4D97-AF65-F5344CB8AC3E}">
-        <p14:creationId xmlns:p14="http://schemas.microsoft.com/office/powerpoint/2010/main" val="2317438579"/>
-      </p:ext>
-    </p:extLst>
-  </p:cSld>
-  <p:clrMapOvr>
-    <a:masterClrMapping/>
-  </p:clrMapOvr>
-</p:notes>
-</file>
-
 <file path=ppt/notesSlides/notesSlide2.xml><?xml version="1.0" encoding="utf-8"?>
 <p:notes xmlns:a="http://schemas.openxmlformats.org/drawingml/2006/main" xmlns:r="http://schemas.openxmlformats.org/officeDocument/2006/relationships" xmlns:p="http://schemas.openxmlformats.org/presentationml/2006/main">
   <p:cSld>
@@ -1416,222 +1200,6 @@
         <p:cNvPr id="1" name="">
           <a:extLst>
             <a:ext uri="{FF2B5EF4-FFF2-40B4-BE49-F238E27FC236}">
-              <a16:creationId xmlns:a16="http://schemas.microsoft.com/office/drawing/2014/main" id="{4D396BBA-614D-FE05-54F1-75ABD228C2D8}"/>
-            </a:ext>
-          </a:extLst>
-        </p:cNvPr>
-        <p:cNvGrpSpPr/>
-        <p:nvPr/>
-      </p:nvGrpSpPr>
-      <p:grpSpPr>
-        <a:xfrm>
-          <a:off x="0" y="0"/>
-          <a:ext cx="0" cy="0"/>
-          <a:chOff x="0" y="0"/>
-          <a:chExt cx="0" cy="0"/>
-        </a:xfrm>
-      </p:grpSpPr>
-      <p:sp>
-        <p:nvSpPr>
-          <p:cNvPr id="2" name="スライド イメージ プレースホルダー 1">
-            <a:extLst>
-              <a:ext uri="{FF2B5EF4-FFF2-40B4-BE49-F238E27FC236}">
-                <a16:creationId xmlns:a16="http://schemas.microsoft.com/office/drawing/2014/main" id="{18552EBB-708E-2569-3B62-9E4D6CFC92C4}"/>
-              </a:ext>
-            </a:extLst>
-          </p:cNvPr>
-          <p:cNvSpPr>
-            <a:spLocks noGrp="1" noRot="1" noChangeAspect="1"/>
-          </p:cNvSpPr>
-          <p:nvPr>
-            <p:ph type="sldImg"/>
-          </p:nvPr>
-        </p:nvSpPr>
-        <p:spPr/>
-      </p:sp>
-      <p:sp>
-        <p:nvSpPr>
-          <p:cNvPr id="3" name="ノート プレースホルダー 2">
-            <a:extLst>
-              <a:ext uri="{FF2B5EF4-FFF2-40B4-BE49-F238E27FC236}">
-                <a16:creationId xmlns:a16="http://schemas.microsoft.com/office/drawing/2014/main" id="{D302BA5A-253C-81FE-2531-DBA65A703ACA}"/>
-              </a:ext>
-            </a:extLst>
-          </p:cNvPr>
-          <p:cNvSpPr>
-            <a:spLocks noGrp="1"/>
-          </p:cNvSpPr>
-          <p:nvPr>
-            <p:ph type="body" idx="1"/>
-          </p:nvPr>
-        </p:nvSpPr>
-        <p:spPr/>
-        <p:txBody>
-          <a:bodyPr/>
-          <a:lstStyle/>
-          <a:p>
-            <a:endParaRPr kumimoji="1" lang="ja-JP" altLang="en-US" dirty="0"/>
-          </a:p>
-        </p:txBody>
-      </p:sp>
-      <p:sp>
-        <p:nvSpPr>
-          <p:cNvPr id="4" name="スライド番号プレースホルダー 3">
-            <a:extLst>
-              <a:ext uri="{FF2B5EF4-FFF2-40B4-BE49-F238E27FC236}">
-                <a16:creationId xmlns:a16="http://schemas.microsoft.com/office/drawing/2014/main" id="{785BC676-F493-1279-E3CF-AD5A7BC996BA}"/>
-              </a:ext>
-            </a:extLst>
-          </p:cNvPr>
-          <p:cNvSpPr>
-            <a:spLocks noGrp="1"/>
-          </p:cNvSpPr>
-          <p:nvPr>
-            <p:ph type="sldNum" sz="quarter" idx="5"/>
-          </p:nvPr>
-        </p:nvSpPr>
-        <p:spPr/>
-        <p:txBody>
-          <a:bodyPr/>
-          <a:lstStyle/>
-          <a:p>
-            <a:fld id="{66CF2EA3-263D-2548-8E54-88545A0184E9}" type="slidenum">
-              <a:rPr kumimoji="1" lang="ja-JP" altLang="en-US" smtClean="0"/>
-              <a:t>4</a:t>
-            </a:fld>
-            <a:endParaRPr kumimoji="1" lang="ja-JP" altLang="en-US"/>
-          </a:p>
-        </p:txBody>
-      </p:sp>
-    </p:spTree>
-    <p:extLst>
-      <p:ext uri="{BB962C8B-B14F-4D97-AF65-F5344CB8AC3E}">
-        <p14:creationId xmlns:p14="http://schemas.microsoft.com/office/powerpoint/2010/main" val="3133124391"/>
-      </p:ext>
-    </p:extLst>
-  </p:cSld>
-  <p:clrMapOvr>
-    <a:masterClrMapping/>
-  </p:clrMapOvr>
-</p:notes>
-</file>
-
-<file path=ppt/notesSlides/notesSlide5.xml><?xml version="1.0" encoding="utf-8"?>
-<p:notes xmlns:a="http://schemas.openxmlformats.org/drawingml/2006/main" xmlns:r="http://schemas.openxmlformats.org/officeDocument/2006/relationships" xmlns:p="http://schemas.openxmlformats.org/presentationml/2006/main">
-  <p:cSld>
-    <p:spTree>
-      <p:nvGrpSpPr>
-        <p:cNvPr id="1" name="">
-          <a:extLst>
-            <a:ext uri="{FF2B5EF4-FFF2-40B4-BE49-F238E27FC236}">
-              <a16:creationId xmlns:a16="http://schemas.microsoft.com/office/drawing/2014/main" id="{1EE77E34-F635-D91D-8347-D4DBBCE355BC}"/>
-            </a:ext>
-          </a:extLst>
-        </p:cNvPr>
-        <p:cNvGrpSpPr/>
-        <p:nvPr/>
-      </p:nvGrpSpPr>
-      <p:grpSpPr>
-        <a:xfrm>
-          <a:off x="0" y="0"/>
-          <a:ext cx="0" cy="0"/>
-          <a:chOff x="0" y="0"/>
-          <a:chExt cx="0" cy="0"/>
-        </a:xfrm>
-      </p:grpSpPr>
-      <p:sp>
-        <p:nvSpPr>
-          <p:cNvPr id="2" name="スライド イメージ プレースホルダー 1">
-            <a:extLst>
-              <a:ext uri="{FF2B5EF4-FFF2-40B4-BE49-F238E27FC236}">
-                <a16:creationId xmlns:a16="http://schemas.microsoft.com/office/drawing/2014/main" id="{E718D878-20F6-EE2D-A486-89CD9B30C51C}"/>
-              </a:ext>
-            </a:extLst>
-          </p:cNvPr>
-          <p:cNvSpPr>
-            <a:spLocks noGrp="1" noRot="1" noChangeAspect="1"/>
-          </p:cNvSpPr>
-          <p:nvPr>
-            <p:ph type="sldImg"/>
-          </p:nvPr>
-        </p:nvSpPr>
-        <p:spPr/>
-      </p:sp>
-      <p:sp>
-        <p:nvSpPr>
-          <p:cNvPr id="3" name="ノート プレースホルダー 2">
-            <a:extLst>
-              <a:ext uri="{FF2B5EF4-FFF2-40B4-BE49-F238E27FC236}">
-                <a16:creationId xmlns:a16="http://schemas.microsoft.com/office/drawing/2014/main" id="{56CCF751-D07D-7D5B-F5AC-29ACE7394AF3}"/>
-              </a:ext>
-            </a:extLst>
-          </p:cNvPr>
-          <p:cNvSpPr>
-            <a:spLocks noGrp="1"/>
-          </p:cNvSpPr>
-          <p:nvPr>
-            <p:ph type="body" idx="1"/>
-          </p:nvPr>
-        </p:nvSpPr>
-        <p:spPr/>
-        <p:txBody>
-          <a:bodyPr/>
-          <a:lstStyle/>
-          <a:p>
-            <a:endParaRPr kumimoji="1" lang="ja-JP" altLang="en-US" dirty="0"/>
-          </a:p>
-        </p:txBody>
-      </p:sp>
-      <p:sp>
-        <p:nvSpPr>
-          <p:cNvPr id="4" name="スライド番号プレースホルダー 3">
-            <a:extLst>
-              <a:ext uri="{FF2B5EF4-FFF2-40B4-BE49-F238E27FC236}">
-                <a16:creationId xmlns:a16="http://schemas.microsoft.com/office/drawing/2014/main" id="{BE0D07D2-75A6-C5FF-69C3-DE157E2733C5}"/>
-              </a:ext>
-            </a:extLst>
-          </p:cNvPr>
-          <p:cNvSpPr>
-            <a:spLocks noGrp="1"/>
-          </p:cNvSpPr>
-          <p:nvPr>
-            <p:ph type="sldNum" sz="quarter" idx="5"/>
-          </p:nvPr>
-        </p:nvSpPr>
-        <p:spPr/>
-        <p:txBody>
-          <a:bodyPr/>
-          <a:lstStyle/>
-          <a:p>
-            <a:fld id="{66CF2EA3-263D-2548-8E54-88545A0184E9}" type="slidenum">
-              <a:rPr kumimoji="1" lang="ja-JP" altLang="en-US" smtClean="0"/>
-              <a:t>5</a:t>
-            </a:fld>
-            <a:endParaRPr kumimoji="1" lang="ja-JP" altLang="en-US"/>
-          </a:p>
-        </p:txBody>
-      </p:sp>
-    </p:spTree>
-    <p:extLst>
-      <p:ext uri="{BB962C8B-B14F-4D97-AF65-F5344CB8AC3E}">
-        <p14:creationId xmlns:p14="http://schemas.microsoft.com/office/powerpoint/2010/main" val="1207853778"/>
-      </p:ext>
-    </p:extLst>
-  </p:cSld>
-  <p:clrMapOvr>
-    <a:masterClrMapping/>
-  </p:clrMapOvr>
-</p:notes>
-</file>
-
-<file path=ppt/notesSlides/notesSlide6.xml><?xml version="1.0" encoding="utf-8"?>
-<p:notes xmlns:a="http://schemas.openxmlformats.org/drawingml/2006/main" xmlns:r="http://schemas.openxmlformats.org/officeDocument/2006/relationships" xmlns:p="http://schemas.openxmlformats.org/presentationml/2006/main">
-  <p:cSld>
-    <p:spTree>
-      <p:nvGrpSpPr>
-        <p:cNvPr id="1" name="">
-          <a:extLst>
-            <a:ext uri="{FF2B5EF4-FFF2-40B4-BE49-F238E27FC236}">
               <a16:creationId xmlns:a16="http://schemas.microsoft.com/office/drawing/2014/main" id="{1309736B-5882-C82B-FD19-5E08F905A8CF}"/>
             </a:ext>
           </a:extLst>
@@ -1713,7 +1281,7 @@
           <a:p>
             <a:fld id="{66CF2EA3-263D-2548-8E54-88545A0184E9}" type="slidenum">
               <a:rPr kumimoji="1" lang="ja-JP" altLang="en-US" smtClean="0"/>
-              <a:t>6</a:t>
+              <a:t>4</a:t>
             </a:fld>
             <a:endParaRPr kumimoji="1" lang="ja-JP" altLang="en-US"/>
           </a:p>
@@ -1732,115 +1300,7 @@
 </p:notes>
 </file>
 
-<file path=ppt/notesSlides/notesSlide7.xml><?xml version="1.0" encoding="utf-8"?>
-<p:notes xmlns:a="http://schemas.openxmlformats.org/drawingml/2006/main" xmlns:r="http://schemas.openxmlformats.org/officeDocument/2006/relationships" xmlns:p="http://schemas.openxmlformats.org/presentationml/2006/main">
-  <p:cSld>
-    <p:spTree>
-      <p:nvGrpSpPr>
-        <p:cNvPr id="1" name="">
-          <a:extLst>
-            <a:ext uri="{FF2B5EF4-FFF2-40B4-BE49-F238E27FC236}">
-              <a16:creationId xmlns:a16="http://schemas.microsoft.com/office/drawing/2014/main" id="{59B50823-D61C-0868-BDA4-DA53F41E934D}"/>
-            </a:ext>
-          </a:extLst>
-        </p:cNvPr>
-        <p:cNvGrpSpPr/>
-        <p:nvPr/>
-      </p:nvGrpSpPr>
-      <p:grpSpPr>
-        <a:xfrm>
-          <a:off x="0" y="0"/>
-          <a:ext cx="0" cy="0"/>
-          <a:chOff x="0" y="0"/>
-          <a:chExt cx="0" cy="0"/>
-        </a:xfrm>
-      </p:grpSpPr>
-      <p:sp>
-        <p:nvSpPr>
-          <p:cNvPr id="2" name="スライド イメージ プレースホルダー 1">
-            <a:extLst>
-              <a:ext uri="{FF2B5EF4-FFF2-40B4-BE49-F238E27FC236}">
-                <a16:creationId xmlns:a16="http://schemas.microsoft.com/office/drawing/2014/main" id="{6F737103-CC9D-2D26-CFAE-00B69C0206B6}"/>
-              </a:ext>
-            </a:extLst>
-          </p:cNvPr>
-          <p:cNvSpPr>
-            <a:spLocks noGrp="1" noRot="1" noChangeAspect="1"/>
-          </p:cNvSpPr>
-          <p:nvPr>
-            <p:ph type="sldImg"/>
-          </p:nvPr>
-        </p:nvSpPr>
-        <p:spPr/>
-      </p:sp>
-      <p:sp>
-        <p:nvSpPr>
-          <p:cNvPr id="3" name="ノート プレースホルダー 2">
-            <a:extLst>
-              <a:ext uri="{FF2B5EF4-FFF2-40B4-BE49-F238E27FC236}">
-                <a16:creationId xmlns:a16="http://schemas.microsoft.com/office/drawing/2014/main" id="{B6E0F74C-4864-2D84-F108-D1EC4155E6A9}"/>
-              </a:ext>
-            </a:extLst>
-          </p:cNvPr>
-          <p:cNvSpPr>
-            <a:spLocks noGrp="1"/>
-          </p:cNvSpPr>
-          <p:nvPr>
-            <p:ph type="body" idx="1"/>
-          </p:nvPr>
-        </p:nvSpPr>
-        <p:spPr/>
-        <p:txBody>
-          <a:bodyPr/>
-          <a:lstStyle/>
-          <a:p>
-            <a:endParaRPr kumimoji="1" lang="ja-JP" altLang="en-US" dirty="0"/>
-          </a:p>
-        </p:txBody>
-      </p:sp>
-      <p:sp>
-        <p:nvSpPr>
-          <p:cNvPr id="4" name="スライド番号プレースホルダー 3">
-            <a:extLst>
-              <a:ext uri="{FF2B5EF4-FFF2-40B4-BE49-F238E27FC236}">
-                <a16:creationId xmlns:a16="http://schemas.microsoft.com/office/drawing/2014/main" id="{6DDE37D9-CE6C-55D2-897A-19DCC9F03A47}"/>
-              </a:ext>
-            </a:extLst>
-          </p:cNvPr>
-          <p:cNvSpPr>
-            <a:spLocks noGrp="1"/>
-          </p:cNvSpPr>
-          <p:nvPr>
-            <p:ph type="sldNum" sz="quarter" idx="5"/>
-          </p:nvPr>
-        </p:nvSpPr>
-        <p:spPr/>
-        <p:txBody>
-          <a:bodyPr/>
-          <a:lstStyle/>
-          <a:p>
-            <a:fld id="{66CF2EA3-263D-2548-8E54-88545A0184E9}" type="slidenum">
-              <a:rPr kumimoji="1" lang="ja-JP" altLang="en-US" smtClean="0"/>
-              <a:t>7</a:t>
-            </a:fld>
-            <a:endParaRPr kumimoji="1" lang="ja-JP" altLang="en-US"/>
-          </a:p>
-        </p:txBody>
-      </p:sp>
-    </p:spTree>
-    <p:extLst>
-      <p:ext uri="{BB962C8B-B14F-4D97-AF65-F5344CB8AC3E}">
-        <p14:creationId xmlns:p14="http://schemas.microsoft.com/office/powerpoint/2010/main" val="1919974106"/>
-      </p:ext>
-    </p:extLst>
-  </p:cSld>
-  <p:clrMapOvr>
-    <a:masterClrMapping/>
-  </p:clrMapOvr>
-</p:notes>
-</file>
-
-<file path=ppt/notesSlides/notesSlide8.xml><?xml version="1.0" encoding="utf-8"?>
+<file path=ppt/notesSlides/notesSlide5.xml><?xml version="1.0" encoding="utf-8"?>
 <p:notes xmlns:a="http://schemas.openxmlformats.org/drawingml/2006/main" xmlns:r="http://schemas.openxmlformats.org/officeDocument/2006/relationships" xmlns:p="http://schemas.openxmlformats.org/presentationml/2006/main">
   <p:cSld>
     <p:spTree>
@@ -1929,7 +1389,7 @@
           <a:p>
             <a:fld id="{66CF2EA3-263D-2548-8E54-88545A0184E9}" type="slidenum">
               <a:rPr kumimoji="1" lang="ja-JP" altLang="en-US" smtClean="0"/>
-              <a:t>8</a:t>
+              <a:t>5</a:t>
             </a:fld>
             <a:endParaRPr kumimoji="1" lang="ja-JP" altLang="en-US"/>
           </a:p>
@@ -1948,7 +1408,7 @@
 </p:notes>
 </file>
 
-<file path=ppt/notesSlides/notesSlide9.xml><?xml version="1.0" encoding="utf-8"?>
+<file path=ppt/notesSlides/notesSlide6.xml><?xml version="1.0" encoding="utf-8"?>
 <p:notes xmlns:a="http://schemas.openxmlformats.org/drawingml/2006/main" xmlns:r="http://schemas.openxmlformats.org/officeDocument/2006/relationships" xmlns:p="http://schemas.openxmlformats.org/presentationml/2006/main">
   <p:cSld>
     <p:spTree>
@@ -1956,7 +1416,7 @@
         <p:cNvPr id="1" name="">
           <a:extLst>
             <a:ext uri="{FF2B5EF4-FFF2-40B4-BE49-F238E27FC236}">
-              <a16:creationId xmlns:a16="http://schemas.microsoft.com/office/drawing/2014/main" id="{968F9BB2-EF19-6A8D-F4E6-F6CDF06E435C}"/>
+              <a16:creationId xmlns:a16="http://schemas.microsoft.com/office/drawing/2014/main" id="{DCAFC49C-3643-7713-6DE7-EDDD608089E9}"/>
             </a:ext>
           </a:extLst>
         </p:cNvPr>
@@ -1976,7 +1436,7 @@
           <p:cNvPr id="2" name="スライド イメージ プレースホルダー 1">
             <a:extLst>
               <a:ext uri="{FF2B5EF4-FFF2-40B4-BE49-F238E27FC236}">
-                <a16:creationId xmlns:a16="http://schemas.microsoft.com/office/drawing/2014/main" id="{EC0F0478-9805-FD60-43DC-0418BBDAD399}"/>
+                <a16:creationId xmlns:a16="http://schemas.microsoft.com/office/drawing/2014/main" id="{B47A184C-539D-4949-ADC4-18D60DC69772}"/>
               </a:ext>
             </a:extLst>
           </p:cNvPr>
@@ -1994,7 +1454,7 @@
           <p:cNvPr id="3" name="ノート プレースホルダー 2">
             <a:extLst>
               <a:ext uri="{FF2B5EF4-FFF2-40B4-BE49-F238E27FC236}">
-                <a16:creationId xmlns:a16="http://schemas.microsoft.com/office/drawing/2014/main" id="{7FBF8E1F-C803-FC2C-258B-7D96A804EDF0}"/>
+                <a16:creationId xmlns:a16="http://schemas.microsoft.com/office/drawing/2014/main" id="{0BC21319-053C-6197-3203-E33CC42ACB10}"/>
               </a:ext>
             </a:extLst>
           </p:cNvPr>
@@ -2019,7 +1479,7 @@
           <p:cNvPr id="4" name="スライド番号プレースホルダー 3">
             <a:extLst>
               <a:ext uri="{FF2B5EF4-FFF2-40B4-BE49-F238E27FC236}">
-                <a16:creationId xmlns:a16="http://schemas.microsoft.com/office/drawing/2014/main" id="{A5A27237-2AD1-319F-F157-A5DCEA8CDB7A}"/>
+                <a16:creationId xmlns:a16="http://schemas.microsoft.com/office/drawing/2014/main" id="{2DDFDBDA-740F-465A-F646-06360A0A2E72}"/>
               </a:ext>
             </a:extLst>
           </p:cNvPr>
@@ -2037,7 +1497,7 @@
           <a:p>
             <a:fld id="{66CF2EA3-263D-2548-8E54-88545A0184E9}" type="slidenum">
               <a:rPr kumimoji="1" lang="ja-JP" altLang="en-US" smtClean="0"/>
-              <a:t>9</a:t>
+              <a:t>6</a:t>
             </a:fld>
             <a:endParaRPr kumimoji="1" lang="ja-JP" altLang="en-US"/>
           </a:p>
@@ -2046,7 +1506,7 @@
     </p:spTree>
     <p:extLst>
       <p:ext uri="{BB962C8B-B14F-4D97-AF65-F5344CB8AC3E}">
-        <p14:creationId xmlns:p14="http://schemas.microsoft.com/office/powerpoint/2010/main" val="2011702297"/>
+        <p14:creationId xmlns:p14="http://schemas.microsoft.com/office/powerpoint/2010/main" val="216541236"/>
       </p:ext>
     </p:extLst>
   </p:cSld>
@@ -5845,1000 +5305,6 @@
 </p:sld>
 </file>
 
-<file path=ppt/slides/slide10.xml><?xml version="1.0" encoding="utf-8"?>
-<p:sld xmlns:a="http://schemas.openxmlformats.org/drawingml/2006/main" xmlns:r="http://schemas.openxmlformats.org/officeDocument/2006/relationships" xmlns:p="http://schemas.openxmlformats.org/presentationml/2006/main">
-  <p:cSld>
-    <p:spTree>
-      <p:nvGrpSpPr>
-        <p:cNvPr id="1" name="">
-          <a:extLst>
-            <a:ext uri="{FF2B5EF4-FFF2-40B4-BE49-F238E27FC236}">
-              <a16:creationId xmlns:a16="http://schemas.microsoft.com/office/drawing/2014/main" id="{AAAA4894-E016-8B56-E555-964B01B1B4AE}"/>
-            </a:ext>
-          </a:extLst>
-        </p:cNvPr>
-        <p:cNvGrpSpPr/>
-        <p:nvPr/>
-      </p:nvGrpSpPr>
-      <p:grpSpPr>
-        <a:xfrm>
-          <a:off x="0" y="0"/>
-          <a:ext cx="0" cy="0"/>
-          <a:chOff x="0" y="0"/>
-          <a:chExt cx="0" cy="0"/>
-        </a:xfrm>
-      </p:grpSpPr>
-      <p:sp>
-        <p:nvSpPr>
-          <p:cNvPr id="7" name="タイトル 1">
-            <a:extLst>
-              <a:ext uri="{FF2B5EF4-FFF2-40B4-BE49-F238E27FC236}">
-                <a16:creationId xmlns:a16="http://schemas.microsoft.com/office/drawing/2014/main" id="{D0BC5127-AC92-62DF-79D7-CD1E07A005C4}"/>
-              </a:ext>
-            </a:extLst>
-          </p:cNvPr>
-          <p:cNvSpPr txBox="1">
-            <a:spLocks/>
-          </p:cNvSpPr>
-          <p:nvPr/>
-        </p:nvSpPr>
-        <p:spPr>
-          <a:xfrm>
-            <a:off x="0" y="6176963"/>
-            <a:ext cx="12192000" cy="669837"/>
-          </a:xfrm>
-          <a:prstGeom prst="rect">
-            <a:avLst/>
-          </a:prstGeom>
-          <a:gradFill>
-            <a:gsLst>
-              <a:gs pos="0">
-                <a:srgbClr val="0070C0">
-                  <a:alpha val="50000"/>
-                </a:srgbClr>
-              </a:gs>
-              <a:gs pos="100000">
-                <a:srgbClr val="0070C0"/>
-              </a:gs>
-            </a:gsLst>
-            <a:lin ang="10800000" scaled="1"/>
-          </a:gradFill>
-        </p:spPr>
-        <p:txBody>
-          <a:bodyPr vert="horz" lIns="91440" tIns="45720" rIns="91440" bIns="45720" rtlCol="0" anchor="ctr">
-            <a:normAutofit lnSpcReduction="10000"/>
-          </a:bodyPr>
-          <a:lstStyle>
-            <a:lvl1pPr algn="l" defTabSz="914400" rtl="0" eaLnBrk="1" latinLnBrk="0" hangingPunct="1">
-              <a:lnSpc>
-                <a:spcPct val="90000"/>
-              </a:lnSpc>
-              <a:spcBef>
-                <a:spcPct val="0"/>
-              </a:spcBef>
-              <a:buNone/>
-              <a:defRPr kumimoji="1" sz="4400" kern="1200">
-                <a:solidFill>
-                  <a:schemeClr val="tx1"/>
-                </a:solidFill>
-                <a:latin typeface="+mj-lt"/>
-                <a:ea typeface="+mj-ea"/>
-                <a:cs typeface="+mj-cs"/>
-              </a:defRPr>
-            </a:lvl1pPr>
-          </a:lstStyle>
-          <a:p>
-            <a:r>
-              <a:rPr lang="ja-JP" altLang="en-US" b="1" dirty="0"/>
-              <a:t>　</a:t>
-            </a:r>
-            <a:r>
-              <a:rPr lang="ja-JP" altLang="en-US" sz="2400" b="1" dirty="0">
-                <a:solidFill>
-                  <a:schemeClr val="bg1"/>
-                </a:solidFill>
-                <a:latin typeface="BIZ UDPゴシック" panose="020B0400000000000000" pitchFamily="50" charset="-128"/>
-                <a:ea typeface="BIZ UDPゴシック" panose="020B0400000000000000" pitchFamily="50" charset="-128"/>
-              </a:rPr>
-              <a:t>課題管理アプリ「締切管理室」　　</a:t>
-            </a:r>
-          </a:p>
-        </p:txBody>
-      </p:sp>
-      <p:sp>
-        <p:nvSpPr>
-          <p:cNvPr id="2" name="タイトル 1">
-            <a:extLst>
-              <a:ext uri="{FF2B5EF4-FFF2-40B4-BE49-F238E27FC236}">
-                <a16:creationId xmlns:a16="http://schemas.microsoft.com/office/drawing/2014/main" id="{25ECC387-1C9A-B9E5-1C26-1C85962D93D5}"/>
-              </a:ext>
-            </a:extLst>
-          </p:cNvPr>
-          <p:cNvSpPr>
-            <a:spLocks noGrp="1"/>
-          </p:cNvSpPr>
-          <p:nvPr>
-            <p:ph type="title"/>
-          </p:nvPr>
-        </p:nvSpPr>
-        <p:spPr>
-          <a:xfrm>
-            <a:off x="0" y="0"/>
-            <a:ext cx="12192000" cy="980901"/>
-          </a:xfrm>
-          <a:gradFill>
-            <a:gsLst>
-              <a:gs pos="0">
-                <a:srgbClr val="0070C0">
-                  <a:alpha val="50000"/>
-                </a:srgbClr>
-              </a:gs>
-              <a:gs pos="100000">
-                <a:srgbClr val="0070C0"/>
-              </a:gs>
-            </a:gsLst>
-            <a:lin ang="10800000" scaled="1"/>
-          </a:gradFill>
-        </p:spPr>
-        <p:txBody>
-          <a:bodyPr>
-            <a:normAutofit/>
-          </a:bodyPr>
-          <a:lstStyle/>
-          <a:p>
-            <a:r>
-              <a:rPr lang="ja-JP" altLang="en-US" b="1" dirty="0"/>
-              <a:t>　</a:t>
-            </a:r>
-            <a:r>
-              <a:rPr lang="ja-JP" altLang="en-US" sz="3200" b="1" dirty="0">
-                <a:solidFill>
-                  <a:schemeClr val="bg1"/>
-                </a:solidFill>
-                <a:latin typeface="BIZ UDPゴシック" panose="020B0400000000000000" pitchFamily="50" charset="-128"/>
-                <a:ea typeface="BIZ UDPゴシック" panose="020B0400000000000000" pitchFamily="50" charset="-128"/>
-              </a:rPr>
-              <a:t>アプリケーションの説明</a:t>
-            </a:r>
-            <a:r>
-              <a:rPr lang="en-US" altLang="ja-JP" sz="3200" b="1" dirty="0">
-                <a:solidFill>
-                  <a:schemeClr val="bg1"/>
-                </a:solidFill>
-                <a:latin typeface="BIZ UDPゴシック" panose="020B0400000000000000" pitchFamily="50" charset="-128"/>
-                <a:ea typeface="BIZ UDPゴシック" panose="020B0400000000000000" pitchFamily="50" charset="-128"/>
-              </a:rPr>
-              <a:t>(4)</a:t>
-            </a:r>
-            <a:endParaRPr kumimoji="1" lang="ja-JP" altLang="en-US" sz="3200" b="1" dirty="0">
-              <a:solidFill>
-                <a:schemeClr val="bg1"/>
-              </a:solidFill>
-              <a:latin typeface="BIZ UDPゴシック" panose="020B0400000000000000" pitchFamily="50" charset="-128"/>
-              <a:ea typeface="BIZ UDPゴシック" panose="020B0400000000000000" pitchFamily="50" charset="-128"/>
-            </a:endParaRPr>
-          </a:p>
-        </p:txBody>
-      </p:sp>
-      <p:sp>
-        <p:nvSpPr>
-          <p:cNvPr id="3" name="コンテンツ プレースホルダー 2">
-            <a:extLst>
-              <a:ext uri="{FF2B5EF4-FFF2-40B4-BE49-F238E27FC236}">
-                <a16:creationId xmlns:a16="http://schemas.microsoft.com/office/drawing/2014/main" id="{5BDCD384-30F8-E590-2F2D-12B65CA7B883}"/>
-              </a:ext>
-            </a:extLst>
-          </p:cNvPr>
-          <p:cNvSpPr>
-            <a:spLocks noGrp="1"/>
-          </p:cNvSpPr>
-          <p:nvPr>
-            <p:ph idx="1"/>
-          </p:nvPr>
-        </p:nvSpPr>
-        <p:spPr>
-          <a:xfrm>
-            <a:off x="838200" y="1253331"/>
-            <a:ext cx="10515600" cy="4351338"/>
-          </a:xfrm>
-          <a:noFill/>
-          <a:ln>
-            <a:noFill/>
-          </a:ln>
-        </p:spPr>
-        <p:txBody>
-          <a:bodyPr>
-            <a:normAutofit/>
-          </a:bodyPr>
-          <a:lstStyle/>
-          <a:p>
-            <a:pPr marL="0" indent="0" defTabSz="941388">
-              <a:lnSpc>
-                <a:spcPct val="120000"/>
-              </a:lnSpc>
-              <a:buNone/>
-              <a:tabLst>
-                <a:tab pos="365125" algn="l"/>
-                <a:tab pos="1971675" algn="l"/>
-                <a:tab pos="2152650" algn="l"/>
-                <a:tab pos="3856038" algn="l"/>
-                <a:tab pos="4038600" algn="l"/>
-              </a:tabLst>
-            </a:pPr>
-            <a:r>
-              <a:rPr lang="ja-JP" altLang="en-US" dirty="0">
-                <a:solidFill>
-                  <a:schemeClr val="tx1">
-                    <a:lumMod val="75000"/>
-                    <a:lumOff val="25000"/>
-                  </a:schemeClr>
-                </a:solidFill>
-                <a:latin typeface="BIZ UDPゴシック" panose="020B0400000000000000" pitchFamily="50" charset="-128"/>
-                <a:ea typeface="BIZ UDPゴシック" panose="020B0400000000000000" pitchFamily="50" charset="-128"/>
-              </a:rPr>
-              <a:t>課題編集画面</a:t>
-            </a:r>
-            <a:endParaRPr lang="en-US" altLang="ja-JP" dirty="0">
-              <a:solidFill>
-                <a:schemeClr val="tx1">
-                  <a:lumMod val="75000"/>
-                  <a:lumOff val="25000"/>
-                </a:schemeClr>
-              </a:solidFill>
-              <a:latin typeface="BIZ UDPゴシック" panose="020B0400000000000000" pitchFamily="50" charset="-128"/>
-              <a:ea typeface="BIZ UDPゴシック" panose="020B0400000000000000" pitchFamily="50" charset="-128"/>
-            </a:endParaRPr>
-          </a:p>
-          <a:p>
-            <a:pPr marL="0" indent="0" defTabSz="941388">
-              <a:lnSpc>
-                <a:spcPct val="120000"/>
-              </a:lnSpc>
-              <a:buNone/>
-              <a:tabLst>
-                <a:tab pos="365125" algn="l"/>
-                <a:tab pos="1971675" algn="l"/>
-                <a:tab pos="2152650" algn="l"/>
-                <a:tab pos="3856038" algn="l"/>
-                <a:tab pos="4038600" algn="l"/>
-              </a:tabLst>
-            </a:pPr>
-            <a:r>
-              <a:rPr lang="ja-JP" altLang="en-US" dirty="0">
-                <a:solidFill>
-                  <a:schemeClr val="tx1">
-                    <a:lumMod val="75000"/>
-                    <a:lumOff val="25000"/>
-                  </a:schemeClr>
-                </a:solidFill>
-                <a:latin typeface="BIZ UDPゴシック" panose="020B0400000000000000" pitchFamily="50" charset="-128"/>
-                <a:ea typeface="BIZ UDPゴシック" panose="020B0400000000000000" pitchFamily="50" charset="-128"/>
-              </a:rPr>
-              <a:t>・</a:t>
-            </a:r>
-            <a:r>
-              <a:rPr lang="en-US" altLang="ja-JP" dirty="0">
-                <a:solidFill>
-                  <a:schemeClr val="tx1">
-                    <a:lumMod val="75000"/>
-                    <a:lumOff val="25000"/>
-                  </a:schemeClr>
-                </a:solidFill>
-                <a:latin typeface="BIZ UDPゴシック" panose="020B0400000000000000" pitchFamily="50" charset="-128"/>
-                <a:ea typeface="BIZ UDPゴシック" panose="020B0400000000000000" pitchFamily="50" charset="-128"/>
-              </a:rPr>
-              <a:t>	</a:t>
-            </a:r>
-            <a:r>
-              <a:rPr lang="ja-JP" altLang="en-US" dirty="0">
-                <a:solidFill>
-                  <a:schemeClr val="tx1">
-                    <a:lumMod val="75000"/>
-                    <a:lumOff val="25000"/>
-                  </a:schemeClr>
-                </a:solidFill>
-                <a:latin typeface="BIZ UDPゴシック" panose="020B0400000000000000" pitchFamily="50" charset="-128"/>
-                <a:ea typeface="BIZ UDPゴシック" panose="020B0400000000000000" pitchFamily="50" charset="-128"/>
-              </a:rPr>
-              <a:t>既存の課題を編集</a:t>
-            </a:r>
-            <a:endParaRPr lang="en-US" altLang="ja-JP" dirty="0">
-              <a:solidFill>
-                <a:schemeClr val="tx1">
-                  <a:lumMod val="75000"/>
-                  <a:lumOff val="25000"/>
-                </a:schemeClr>
-              </a:solidFill>
-              <a:latin typeface="BIZ UDPゴシック" panose="020B0400000000000000" pitchFamily="50" charset="-128"/>
-              <a:ea typeface="BIZ UDPゴシック" panose="020B0400000000000000" pitchFamily="50" charset="-128"/>
-            </a:endParaRPr>
-          </a:p>
-          <a:p>
-            <a:pPr marL="0" indent="0" defTabSz="941388">
-              <a:lnSpc>
-                <a:spcPct val="120000"/>
-              </a:lnSpc>
-              <a:buNone/>
-              <a:tabLst>
-                <a:tab pos="365125" algn="l"/>
-                <a:tab pos="1971675" algn="l"/>
-                <a:tab pos="2152650" algn="l"/>
-                <a:tab pos="3856038" algn="l"/>
-                <a:tab pos="4038600" algn="l"/>
-              </a:tabLst>
-            </a:pPr>
-            <a:r>
-              <a:rPr lang="ja-JP" altLang="en-US" dirty="0">
-                <a:solidFill>
-                  <a:schemeClr val="tx1">
-                    <a:lumMod val="75000"/>
-                    <a:lumOff val="25000"/>
-                  </a:schemeClr>
-                </a:solidFill>
-                <a:latin typeface="BIZ UDPゴシック" panose="020B0400000000000000" pitchFamily="50" charset="-128"/>
-                <a:ea typeface="BIZ UDPゴシック" panose="020B0400000000000000" pitchFamily="50" charset="-128"/>
-              </a:rPr>
-              <a:t>・</a:t>
-            </a:r>
-            <a:r>
-              <a:rPr lang="en-US" altLang="ja-JP" dirty="0">
-                <a:solidFill>
-                  <a:schemeClr val="tx1">
-                    <a:lumMod val="75000"/>
-                    <a:lumOff val="25000"/>
-                  </a:schemeClr>
-                </a:solidFill>
-                <a:latin typeface="BIZ UDPゴシック" panose="020B0400000000000000" pitchFamily="50" charset="-128"/>
-                <a:ea typeface="BIZ UDPゴシック" panose="020B0400000000000000" pitchFamily="50" charset="-128"/>
-              </a:rPr>
-              <a:t>	</a:t>
-            </a:r>
-            <a:r>
-              <a:rPr lang="ja-JP" altLang="en-US" dirty="0">
-                <a:solidFill>
-                  <a:schemeClr val="tx1">
-                    <a:lumMod val="75000"/>
-                    <a:lumOff val="25000"/>
-                  </a:schemeClr>
-                </a:solidFill>
-                <a:latin typeface="BIZ UDPゴシック" panose="020B0400000000000000" pitchFamily="50" charset="-128"/>
-                <a:ea typeface="BIZ UDPゴシック" panose="020B0400000000000000" pitchFamily="50" charset="-128"/>
-              </a:rPr>
-              <a:t>提出状況を変更することで、</a:t>
-            </a:r>
-            <a:br>
-              <a:rPr lang="en-US" altLang="ja-JP" dirty="0">
-                <a:solidFill>
-                  <a:schemeClr val="tx1">
-                    <a:lumMod val="75000"/>
-                    <a:lumOff val="25000"/>
-                  </a:schemeClr>
-                </a:solidFill>
-                <a:latin typeface="BIZ UDPゴシック" panose="020B0400000000000000" pitchFamily="50" charset="-128"/>
-                <a:ea typeface="BIZ UDPゴシック" panose="020B0400000000000000" pitchFamily="50" charset="-128"/>
-              </a:rPr>
-            </a:br>
-            <a:r>
-              <a:rPr lang="en-US" altLang="ja-JP" dirty="0">
-                <a:solidFill>
-                  <a:schemeClr val="tx1">
-                    <a:lumMod val="75000"/>
-                    <a:lumOff val="25000"/>
-                  </a:schemeClr>
-                </a:solidFill>
-                <a:latin typeface="BIZ UDPゴシック" panose="020B0400000000000000" pitchFamily="50" charset="-128"/>
-                <a:ea typeface="BIZ UDPゴシック" panose="020B0400000000000000" pitchFamily="50" charset="-128"/>
-              </a:rPr>
-              <a:t>	</a:t>
-            </a:r>
-            <a:r>
-              <a:rPr lang="ja-JP" altLang="en-US" dirty="0">
-                <a:solidFill>
-                  <a:schemeClr val="tx1">
-                    <a:lumMod val="75000"/>
-                    <a:lumOff val="25000"/>
-                  </a:schemeClr>
-                </a:solidFill>
-                <a:latin typeface="BIZ UDPゴシック" panose="020B0400000000000000" pitchFamily="50" charset="-128"/>
-                <a:ea typeface="BIZ UDPゴシック" panose="020B0400000000000000" pitchFamily="50" charset="-128"/>
-              </a:rPr>
-              <a:t>メイン画面にも反映される</a:t>
-            </a:r>
-            <a:endParaRPr lang="en-US" altLang="ja-JP" dirty="0">
-              <a:solidFill>
-                <a:schemeClr val="tx1">
-                  <a:lumMod val="75000"/>
-                  <a:lumOff val="25000"/>
-                </a:schemeClr>
-              </a:solidFill>
-              <a:latin typeface="BIZ UDPゴシック" panose="020B0400000000000000" pitchFamily="50" charset="-128"/>
-              <a:ea typeface="BIZ UDPゴシック" panose="020B0400000000000000" pitchFamily="50" charset="-128"/>
-            </a:endParaRPr>
-          </a:p>
-          <a:p>
-            <a:pPr marL="0" indent="0" defTabSz="941388">
-              <a:lnSpc>
-                <a:spcPct val="120000"/>
-              </a:lnSpc>
-              <a:buNone/>
-              <a:tabLst>
-                <a:tab pos="1971675" algn="l"/>
-                <a:tab pos="2152650" algn="l"/>
-                <a:tab pos="3856038" algn="l"/>
-                <a:tab pos="4038600" algn="l"/>
-              </a:tabLst>
-            </a:pPr>
-            <a:endParaRPr lang="en-US" altLang="ja-JP" dirty="0">
-              <a:solidFill>
-                <a:schemeClr val="tx1">
-                  <a:lumMod val="75000"/>
-                  <a:lumOff val="25000"/>
-                </a:schemeClr>
-              </a:solidFill>
-              <a:latin typeface="BIZ UDPゴシック" panose="020B0400000000000000" pitchFamily="50" charset="-128"/>
-              <a:ea typeface="BIZ UDPゴシック" panose="020B0400000000000000" pitchFamily="50" charset="-128"/>
-            </a:endParaRPr>
-          </a:p>
-        </p:txBody>
-      </p:sp>
-      <p:sp>
-        <p:nvSpPr>
-          <p:cNvPr id="4" name="スライド番号プレースホルダー 3">
-            <a:extLst>
-              <a:ext uri="{FF2B5EF4-FFF2-40B4-BE49-F238E27FC236}">
-                <a16:creationId xmlns:a16="http://schemas.microsoft.com/office/drawing/2014/main" id="{29191BC6-FBC8-1D22-895C-98900E421EEA}"/>
-              </a:ext>
-            </a:extLst>
-          </p:cNvPr>
-          <p:cNvSpPr>
-            <a:spLocks noGrp="1"/>
-          </p:cNvSpPr>
-          <p:nvPr>
-            <p:ph type="sldNum" sz="quarter" idx="12"/>
-          </p:nvPr>
-        </p:nvSpPr>
-        <p:spPr/>
-        <p:txBody>
-          <a:bodyPr/>
-          <a:lstStyle/>
-          <a:p>
-            <a:fld id="{09B35E56-8F25-7F46-B724-C98981BBCD55}" type="slidenum">
-              <a:rPr kumimoji="1" lang="ja-JP" altLang="en-US" sz="2400" smtClean="0">
-                <a:solidFill>
-                  <a:schemeClr val="bg1"/>
-                </a:solidFill>
-              </a:rPr>
-              <a:t>10</a:t>
-            </a:fld>
-            <a:endParaRPr kumimoji="1" lang="ja-JP" altLang="en-US" sz="2400" dirty="0">
-              <a:solidFill>
-                <a:schemeClr val="bg1"/>
-              </a:solidFill>
-            </a:endParaRPr>
-          </a:p>
-        </p:txBody>
-      </p:sp>
-    </p:spTree>
-    <p:extLst>
-      <p:ext uri="{BB962C8B-B14F-4D97-AF65-F5344CB8AC3E}">
-        <p14:creationId xmlns:p14="http://schemas.microsoft.com/office/powerpoint/2010/main" val="3065957769"/>
-      </p:ext>
-    </p:extLst>
-  </p:cSld>
-  <p:clrMapOvr>
-    <a:masterClrMapping/>
-  </p:clrMapOvr>
-</p:sld>
-</file>
-
-<file path=ppt/slides/slide11.xml><?xml version="1.0" encoding="utf-8"?>
-<p:sld xmlns:a="http://schemas.openxmlformats.org/drawingml/2006/main" xmlns:r="http://schemas.openxmlformats.org/officeDocument/2006/relationships" xmlns:p="http://schemas.openxmlformats.org/presentationml/2006/main">
-  <p:cSld>
-    <p:spTree>
-      <p:nvGrpSpPr>
-        <p:cNvPr id="1" name="">
-          <a:extLst>
-            <a:ext uri="{FF2B5EF4-FFF2-40B4-BE49-F238E27FC236}">
-              <a16:creationId xmlns:a16="http://schemas.microsoft.com/office/drawing/2014/main" id="{1FE0B1C9-61EF-8CAB-8E6C-C05934E2EA6A}"/>
-            </a:ext>
-          </a:extLst>
-        </p:cNvPr>
-        <p:cNvGrpSpPr/>
-        <p:nvPr/>
-      </p:nvGrpSpPr>
-      <p:grpSpPr>
-        <a:xfrm>
-          <a:off x="0" y="0"/>
-          <a:ext cx="0" cy="0"/>
-          <a:chOff x="0" y="0"/>
-          <a:chExt cx="0" cy="0"/>
-        </a:xfrm>
-      </p:grpSpPr>
-      <p:sp>
-        <p:nvSpPr>
-          <p:cNvPr id="7" name="タイトル 1">
-            <a:extLst>
-              <a:ext uri="{FF2B5EF4-FFF2-40B4-BE49-F238E27FC236}">
-                <a16:creationId xmlns:a16="http://schemas.microsoft.com/office/drawing/2014/main" id="{37C36984-C56C-555A-E89B-234829A5A7D4}"/>
-              </a:ext>
-            </a:extLst>
-          </p:cNvPr>
-          <p:cNvSpPr txBox="1">
-            <a:spLocks/>
-          </p:cNvSpPr>
-          <p:nvPr/>
-        </p:nvSpPr>
-        <p:spPr>
-          <a:xfrm>
-            <a:off x="0" y="6176963"/>
-            <a:ext cx="12192000" cy="669837"/>
-          </a:xfrm>
-          <a:prstGeom prst="rect">
-            <a:avLst/>
-          </a:prstGeom>
-          <a:gradFill>
-            <a:gsLst>
-              <a:gs pos="0">
-                <a:srgbClr val="0070C0">
-                  <a:alpha val="50000"/>
-                </a:srgbClr>
-              </a:gs>
-              <a:gs pos="100000">
-                <a:srgbClr val="0070C0"/>
-              </a:gs>
-            </a:gsLst>
-            <a:lin ang="10800000" scaled="1"/>
-          </a:gradFill>
-        </p:spPr>
-        <p:txBody>
-          <a:bodyPr vert="horz" lIns="91440" tIns="45720" rIns="91440" bIns="45720" rtlCol="0" anchor="ctr">
-            <a:normAutofit lnSpcReduction="10000"/>
-          </a:bodyPr>
-          <a:lstStyle>
-            <a:lvl1pPr algn="l" defTabSz="914400" rtl="0" eaLnBrk="1" latinLnBrk="0" hangingPunct="1">
-              <a:lnSpc>
-                <a:spcPct val="90000"/>
-              </a:lnSpc>
-              <a:spcBef>
-                <a:spcPct val="0"/>
-              </a:spcBef>
-              <a:buNone/>
-              <a:defRPr kumimoji="1" sz="4400" kern="1200">
-                <a:solidFill>
-                  <a:schemeClr val="tx1"/>
-                </a:solidFill>
-                <a:latin typeface="+mj-lt"/>
-                <a:ea typeface="+mj-ea"/>
-                <a:cs typeface="+mj-cs"/>
-              </a:defRPr>
-            </a:lvl1pPr>
-          </a:lstStyle>
-          <a:p>
-            <a:r>
-              <a:rPr lang="ja-JP" altLang="en-US" b="1" dirty="0"/>
-              <a:t>　</a:t>
-            </a:r>
-            <a:r>
-              <a:rPr lang="ja-JP" altLang="en-US" sz="2400" b="1" dirty="0">
-                <a:solidFill>
-                  <a:schemeClr val="bg1"/>
-                </a:solidFill>
-                <a:latin typeface="BIZ UDPゴシック" panose="020B0400000000000000" pitchFamily="50" charset="-128"/>
-                <a:ea typeface="BIZ UDPゴシック" panose="020B0400000000000000" pitchFamily="50" charset="-128"/>
-              </a:rPr>
-              <a:t>課題管理アプリ「締切管理室」　　</a:t>
-            </a:r>
-          </a:p>
-        </p:txBody>
-      </p:sp>
-      <p:sp>
-        <p:nvSpPr>
-          <p:cNvPr id="2" name="タイトル 1">
-            <a:extLst>
-              <a:ext uri="{FF2B5EF4-FFF2-40B4-BE49-F238E27FC236}">
-                <a16:creationId xmlns:a16="http://schemas.microsoft.com/office/drawing/2014/main" id="{5165A1C0-4744-50E6-08B5-65D96557136C}"/>
-              </a:ext>
-            </a:extLst>
-          </p:cNvPr>
-          <p:cNvSpPr>
-            <a:spLocks noGrp="1"/>
-          </p:cNvSpPr>
-          <p:nvPr>
-            <p:ph type="title"/>
-          </p:nvPr>
-        </p:nvSpPr>
-        <p:spPr>
-          <a:xfrm>
-            <a:off x="0" y="0"/>
-            <a:ext cx="12192000" cy="980901"/>
-          </a:xfrm>
-          <a:gradFill>
-            <a:gsLst>
-              <a:gs pos="0">
-                <a:srgbClr val="0070C0">
-                  <a:alpha val="50000"/>
-                </a:srgbClr>
-              </a:gs>
-              <a:gs pos="100000">
-                <a:srgbClr val="0070C0"/>
-              </a:gs>
-            </a:gsLst>
-            <a:lin ang="10800000" scaled="1"/>
-          </a:gradFill>
-        </p:spPr>
-        <p:txBody>
-          <a:bodyPr>
-            <a:normAutofit/>
-          </a:bodyPr>
-          <a:lstStyle/>
-          <a:p>
-            <a:r>
-              <a:rPr lang="ja-JP" altLang="en-US" b="1" dirty="0"/>
-              <a:t>　</a:t>
-            </a:r>
-            <a:r>
-              <a:rPr lang="ja-JP" altLang="en-US" sz="3200" b="1" dirty="0">
-                <a:solidFill>
-                  <a:schemeClr val="bg1"/>
-                </a:solidFill>
-                <a:latin typeface="BIZ UDPゴシック" panose="020B0400000000000000" pitchFamily="50" charset="-128"/>
-                <a:ea typeface="BIZ UDPゴシック" panose="020B0400000000000000" pitchFamily="50" charset="-128"/>
-              </a:rPr>
-              <a:t>アプリケーションの説明</a:t>
-            </a:r>
-            <a:r>
-              <a:rPr lang="en-US" altLang="ja-JP" sz="3200" b="1" dirty="0">
-                <a:solidFill>
-                  <a:schemeClr val="bg1"/>
-                </a:solidFill>
-                <a:latin typeface="BIZ UDPゴシック" panose="020B0400000000000000" pitchFamily="50" charset="-128"/>
-                <a:ea typeface="BIZ UDPゴシック" panose="020B0400000000000000" pitchFamily="50" charset="-128"/>
-              </a:rPr>
-              <a:t>(4)-1</a:t>
-            </a:r>
-            <a:endParaRPr kumimoji="1" lang="ja-JP" altLang="en-US" sz="3200" b="1" dirty="0">
-              <a:solidFill>
-                <a:schemeClr val="bg1"/>
-              </a:solidFill>
-              <a:latin typeface="BIZ UDPゴシック" panose="020B0400000000000000" pitchFamily="50" charset="-128"/>
-              <a:ea typeface="BIZ UDPゴシック" panose="020B0400000000000000" pitchFamily="50" charset="-128"/>
-            </a:endParaRPr>
-          </a:p>
-        </p:txBody>
-      </p:sp>
-      <p:sp>
-        <p:nvSpPr>
-          <p:cNvPr id="4" name="スライド番号プレースホルダー 3">
-            <a:extLst>
-              <a:ext uri="{FF2B5EF4-FFF2-40B4-BE49-F238E27FC236}">
-                <a16:creationId xmlns:a16="http://schemas.microsoft.com/office/drawing/2014/main" id="{4FED7655-3F03-EB14-5E89-01B2B14D2DB7}"/>
-              </a:ext>
-            </a:extLst>
-          </p:cNvPr>
-          <p:cNvSpPr>
-            <a:spLocks noGrp="1"/>
-          </p:cNvSpPr>
-          <p:nvPr>
-            <p:ph type="sldNum" sz="quarter" idx="12"/>
-          </p:nvPr>
-        </p:nvSpPr>
-        <p:spPr/>
-        <p:txBody>
-          <a:bodyPr/>
-          <a:lstStyle/>
-          <a:p>
-            <a:fld id="{09B35E56-8F25-7F46-B724-C98981BBCD55}" type="slidenum">
-              <a:rPr kumimoji="1" lang="ja-JP" altLang="en-US" sz="2400" smtClean="0">
-                <a:solidFill>
-                  <a:schemeClr val="bg1"/>
-                </a:solidFill>
-              </a:rPr>
-              <a:t>11</a:t>
-            </a:fld>
-            <a:endParaRPr kumimoji="1" lang="ja-JP" altLang="en-US" sz="2400" dirty="0">
-              <a:solidFill>
-                <a:schemeClr val="bg1"/>
-              </a:solidFill>
-            </a:endParaRPr>
-          </a:p>
-        </p:txBody>
-      </p:sp>
-      <p:pic>
-        <p:nvPicPr>
-          <p:cNvPr id="15" name="コンテンツ プレースホルダー 14" descr="グラフィカル ユーザー インターフェイス, アプリケーション, Teams&#10;&#10;AI 生成コンテンツは誤りを含む可能性があります。">
-            <a:extLst>
-              <a:ext uri="{FF2B5EF4-FFF2-40B4-BE49-F238E27FC236}">
-                <a16:creationId xmlns:a16="http://schemas.microsoft.com/office/drawing/2014/main" id="{C0E62205-66FB-1572-285E-CE29DF1972A2}"/>
-              </a:ext>
-            </a:extLst>
-          </p:cNvPr>
-          <p:cNvPicPr>
-            <a:picLocks noGrp="1" noChangeAspect="1"/>
-          </p:cNvPicPr>
-          <p:nvPr>
-            <p:ph idx="1"/>
-          </p:nvPr>
-        </p:nvPicPr>
-        <p:blipFill>
-          <a:blip r:embed="rId3"/>
-          <a:stretch>
-            <a:fillRect/>
-          </a:stretch>
-        </p:blipFill>
-        <p:spPr>
-          <a:xfrm>
-            <a:off x="1878718" y="1403263"/>
-            <a:ext cx="8434563" cy="4351338"/>
-          </a:xfrm>
-        </p:spPr>
-      </p:pic>
-    </p:spTree>
-    <p:extLst>
-      <p:ext uri="{BB962C8B-B14F-4D97-AF65-F5344CB8AC3E}">
-        <p14:creationId xmlns:p14="http://schemas.microsoft.com/office/powerpoint/2010/main" val="1494506684"/>
-      </p:ext>
-    </p:extLst>
-  </p:cSld>
-  <p:clrMapOvr>
-    <a:masterClrMapping/>
-  </p:clrMapOvr>
-</p:sld>
-</file>
-
-<file path=ppt/slides/slide12.xml><?xml version="1.0" encoding="utf-8"?>
-<p:sld xmlns:a="http://schemas.openxmlformats.org/drawingml/2006/main" xmlns:r="http://schemas.openxmlformats.org/officeDocument/2006/relationships" xmlns:p="http://schemas.openxmlformats.org/presentationml/2006/main">
-  <p:cSld>
-    <p:spTree>
-      <p:nvGrpSpPr>
-        <p:cNvPr id="1" name="">
-          <a:extLst>
-            <a:ext uri="{FF2B5EF4-FFF2-40B4-BE49-F238E27FC236}">
-              <a16:creationId xmlns:a16="http://schemas.microsoft.com/office/drawing/2014/main" id="{8B74C2FD-CDF1-4F5B-DF71-CB5098994430}"/>
-            </a:ext>
-          </a:extLst>
-        </p:cNvPr>
-        <p:cNvGrpSpPr/>
-        <p:nvPr/>
-      </p:nvGrpSpPr>
-      <p:grpSpPr>
-        <a:xfrm>
-          <a:off x="0" y="0"/>
-          <a:ext cx="0" cy="0"/>
-          <a:chOff x="0" y="0"/>
-          <a:chExt cx="0" cy="0"/>
-        </a:xfrm>
-      </p:grpSpPr>
-      <p:sp>
-        <p:nvSpPr>
-          <p:cNvPr id="7" name="タイトル 1">
-            <a:extLst>
-              <a:ext uri="{FF2B5EF4-FFF2-40B4-BE49-F238E27FC236}">
-                <a16:creationId xmlns:a16="http://schemas.microsoft.com/office/drawing/2014/main" id="{8CA72FAC-3C6E-DF48-905C-247DD94EE6F6}"/>
-              </a:ext>
-            </a:extLst>
-          </p:cNvPr>
-          <p:cNvSpPr txBox="1">
-            <a:spLocks/>
-          </p:cNvSpPr>
-          <p:nvPr/>
-        </p:nvSpPr>
-        <p:spPr>
-          <a:xfrm>
-            <a:off x="0" y="6176963"/>
-            <a:ext cx="12192000" cy="669837"/>
-          </a:xfrm>
-          <a:prstGeom prst="rect">
-            <a:avLst/>
-          </a:prstGeom>
-          <a:gradFill>
-            <a:gsLst>
-              <a:gs pos="0">
-                <a:srgbClr val="0070C0">
-                  <a:alpha val="50000"/>
-                </a:srgbClr>
-              </a:gs>
-              <a:gs pos="100000">
-                <a:srgbClr val="0070C0"/>
-              </a:gs>
-            </a:gsLst>
-            <a:lin ang="10800000" scaled="1"/>
-          </a:gradFill>
-        </p:spPr>
-        <p:txBody>
-          <a:bodyPr vert="horz" lIns="91440" tIns="45720" rIns="91440" bIns="45720" rtlCol="0" anchor="ctr">
-            <a:normAutofit lnSpcReduction="10000"/>
-          </a:bodyPr>
-          <a:lstStyle>
-            <a:lvl1pPr algn="l" defTabSz="914400" rtl="0" eaLnBrk="1" latinLnBrk="0" hangingPunct="1">
-              <a:lnSpc>
-                <a:spcPct val="90000"/>
-              </a:lnSpc>
-              <a:spcBef>
-                <a:spcPct val="0"/>
-              </a:spcBef>
-              <a:buNone/>
-              <a:defRPr kumimoji="1" sz="4400" kern="1200">
-                <a:solidFill>
-                  <a:schemeClr val="tx1"/>
-                </a:solidFill>
-                <a:latin typeface="+mj-lt"/>
-                <a:ea typeface="+mj-ea"/>
-                <a:cs typeface="+mj-cs"/>
-              </a:defRPr>
-            </a:lvl1pPr>
-          </a:lstStyle>
-          <a:p>
-            <a:r>
-              <a:rPr lang="ja-JP" altLang="en-US" b="1" dirty="0"/>
-              <a:t>　</a:t>
-            </a:r>
-            <a:r>
-              <a:rPr lang="ja-JP" altLang="en-US" sz="2400" b="1" dirty="0">
-                <a:solidFill>
-                  <a:schemeClr val="bg1"/>
-                </a:solidFill>
-                <a:latin typeface="BIZ UDPゴシック" panose="020B0400000000000000" pitchFamily="50" charset="-128"/>
-                <a:ea typeface="BIZ UDPゴシック" panose="020B0400000000000000" pitchFamily="50" charset="-128"/>
-              </a:rPr>
-              <a:t>課題管理アプリ「締切管理室」　　</a:t>
-            </a:r>
-          </a:p>
-        </p:txBody>
-      </p:sp>
-      <p:sp>
-        <p:nvSpPr>
-          <p:cNvPr id="2" name="タイトル 1">
-            <a:extLst>
-              <a:ext uri="{FF2B5EF4-FFF2-40B4-BE49-F238E27FC236}">
-                <a16:creationId xmlns:a16="http://schemas.microsoft.com/office/drawing/2014/main" id="{C44027DD-19FC-8145-62A7-141EBD6EE398}"/>
-              </a:ext>
-            </a:extLst>
-          </p:cNvPr>
-          <p:cNvSpPr>
-            <a:spLocks noGrp="1"/>
-          </p:cNvSpPr>
-          <p:nvPr>
-            <p:ph type="title"/>
-          </p:nvPr>
-        </p:nvSpPr>
-        <p:spPr>
-          <a:xfrm>
-            <a:off x="0" y="0"/>
-            <a:ext cx="12192000" cy="980901"/>
-          </a:xfrm>
-          <a:gradFill>
-            <a:gsLst>
-              <a:gs pos="0">
-                <a:srgbClr val="0070C0">
-                  <a:alpha val="50000"/>
-                </a:srgbClr>
-              </a:gs>
-              <a:gs pos="100000">
-                <a:srgbClr val="0070C0"/>
-              </a:gs>
-            </a:gsLst>
-            <a:lin ang="10800000" scaled="1"/>
-          </a:gradFill>
-        </p:spPr>
-        <p:txBody>
-          <a:bodyPr>
-            <a:normAutofit/>
-          </a:bodyPr>
-          <a:lstStyle/>
-          <a:p>
-            <a:r>
-              <a:rPr lang="ja-JP" altLang="en-US" b="1" dirty="0"/>
-              <a:t>　</a:t>
-            </a:r>
-            <a:r>
-              <a:rPr lang="ja-JP" altLang="en-US" sz="3200" b="1" dirty="0">
-                <a:solidFill>
-                  <a:schemeClr val="bg1"/>
-                </a:solidFill>
-                <a:latin typeface="BIZ UDPゴシック" panose="020B0400000000000000" pitchFamily="50" charset="-128"/>
-                <a:ea typeface="BIZ UDPゴシック" panose="020B0400000000000000" pitchFamily="50" charset="-128"/>
-              </a:rPr>
-              <a:t>アプリケーションの説明</a:t>
-            </a:r>
-            <a:r>
-              <a:rPr lang="en-US" altLang="ja-JP" sz="3200" b="1" dirty="0">
-                <a:solidFill>
-                  <a:schemeClr val="bg1"/>
-                </a:solidFill>
-                <a:latin typeface="BIZ UDPゴシック" panose="020B0400000000000000" pitchFamily="50" charset="-128"/>
-                <a:ea typeface="BIZ UDPゴシック" panose="020B0400000000000000" pitchFamily="50" charset="-128"/>
-              </a:rPr>
-              <a:t>(4)-2</a:t>
-            </a:r>
-            <a:endParaRPr kumimoji="1" lang="ja-JP" altLang="en-US" sz="3200" b="1" dirty="0">
-              <a:solidFill>
-                <a:schemeClr val="bg1"/>
-              </a:solidFill>
-              <a:latin typeface="BIZ UDPゴシック" panose="020B0400000000000000" pitchFamily="50" charset="-128"/>
-              <a:ea typeface="BIZ UDPゴシック" panose="020B0400000000000000" pitchFamily="50" charset="-128"/>
-            </a:endParaRPr>
-          </a:p>
-        </p:txBody>
-      </p:sp>
-      <p:sp>
-        <p:nvSpPr>
-          <p:cNvPr id="4" name="スライド番号プレースホルダー 3">
-            <a:extLst>
-              <a:ext uri="{FF2B5EF4-FFF2-40B4-BE49-F238E27FC236}">
-                <a16:creationId xmlns:a16="http://schemas.microsoft.com/office/drawing/2014/main" id="{6F668715-C0D1-396A-89B9-B3A2FA3E27FD}"/>
-              </a:ext>
-            </a:extLst>
-          </p:cNvPr>
-          <p:cNvSpPr>
-            <a:spLocks noGrp="1"/>
-          </p:cNvSpPr>
-          <p:nvPr>
-            <p:ph type="sldNum" sz="quarter" idx="12"/>
-          </p:nvPr>
-        </p:nvSpPr>
-        <p:spPr/>
-        <p:txBody>
-          <a:bodyPr/>
-          <a:lstStyle/>
-          <a:p>
-            <a:fld id="{09B35E56-8F25-7F46-B724-C98981BBCD55}" type="slidenum">
-              <a:rPr kumimoji="1" lang="ja-JP" altLang="en-US" sz="2400" smtClean="0">
-                <a:solidFill>
-                  <a:schemeClr val="bg1"/>
-                </a:solidFill>
-              </a:rPr>
-              <a:t>12</a:t>
-            </a:fld>
-            <a:endParaRPr kumimoji="1" lang="ja-JP" altLang="en-US" sz="2400" dirty="0">
-              <a:solidFill>
-                <a:schemeClr val="bg1"/>
-              </a:solidFill>
-            </a:endParaRPr>
-          </a:p>
-        </p:txBody>
-      </p:sp>
-      <p:pic>
-        <p:nvPicPr>
-          <p:cNvPr id="9" name="コンテンツ プレースホルダー 8" descr="グラフィカル ユーザー インターフェイス, アプリケーション&#10;&#10;AI 生成コンテンツは誤りを含む可能性があります。">
-            <a:extLst>
-              <a:ext uri="{FF2B5EF4-FFF2-40B4-BE49-F238E27FC236}">
-                <a16:creationId xmlns:a16="http://schemas.microsoft.com/office/drawing/2014/main" id="{543D95FB-1A74-DBE7-B728-9FBCC2953DDC}"/>
-              </a:ext>
-            </a:extLst>
-          </p:cNvPr>
-          <p:cNvPicPr>
-            <a:picLocks noGrp="1" noChangeAspect="1"/>
-          </p:cNvPicPr>
-          <p:nvPr>
-            <p:ph idx="1"/>
-          </p:nvPr>
-        </p:nvPicPr>
-        <p:blipFill>
-          <a:blip r:embed="rId3"/>
-          <a:stretch>
-            <a:fillRect/>
-          </a:stretch>
-        </p:blipFill>
-        <p:spPr>
-          <a:xfrm>
-            <a:off x="1891459" y="1403263"/>
-            <a:ext cx="8409081" cy="4351338"/>
-          </a:xfrm>
-        </p:spPr>
-      </p:pic>
-    </p:spTree>
-    <p:extLst>
-      <p:ext uri="{BB962C8B-B14F-4D97-AF65-F5344CB8AC3E}">
-        <p14:creationId xmlns:p14="http://schemas.microsoft.com/office/powerpoint/2010/main" val="3824570756"/>
-      </p:ext>
-    </p:extLst>
-  </p:cSld>
-  <p:clrMapOvr>
-    <a:masterClrMapping/>
-  </p:clrMapOvr>
-</p:sld>
-</file>
-
 <file path=ppt/slides/slide2.xml><?xml version="1.0" encoding="utf-8"?>
 <p:sld xmlns:a="http://schemas.openxmlformats.org/drawingml/2006/main" xmlns:r="http://schemas.openxmlformats.org/officeDocument/2006/relationships" xmlns:p="http://schemas.openxmlformats.org/presentationml/2006/main">
   <p:cSld>
@@ -7686,6 +6152,76 @@
           </a:p>
         </p:txBody>
       </p:sp>
+      <p:pic>
+        <p:nvPicPr>
+          <p:cNvPr id="5" name="コンテンツ プレースホルダー 5" descr="グラフィカル ユーザー インターフェイス, アプリケーション, Teams&#10;&#10;AI 生成コンテンツは誤りを含む可能性があります。">
+            <a:extLst>
+              <a:ext uri="{FF2B5EF4-FFF2-40B4-BE49-F238E27FC236}">
+                <a16:creationId xmlns:a16="http://schemas.microsoft.com/office/drawing/2014/main" id="{4FDC71AB-79C0-F1C3-35B7-5139B30F0A03}"/>
+              </a:ext>
+            </a:extLst>
+          </p:cNvPr>
+          <p:cNvPicPr>
+            <a:picLocks noChangeAspect="1"/>
+          </p:cNvPicPr>
+          <p:nvPr/>
+        </p:nvPicPr>
+        <p:blipFill>
+          <a:blip r:embed="rId3"/>
+          <a:srcRect l="24796" r="24867"/>
+          <a:stretch>
+            <a:fillRect/>
+          </a:stretch>
+        </p:blipFill>
+        <p:spPr>
+          <a:xfrm>
+            <a:off x="5951914" y="1929528"/>
+            <a:ext cx="2876203" cy="3000223"/>
+          </a:xfrm>
+          <a:prstGeom prst="rect">
+            <a:avLst/>
+          </a:prstGeom>
+          <a:noFill/>
+          <a:ln>
+            <a:noFill/>
+          </a:ln>
+        </p:spPr>
+      </p:pic>
+      <p:pic>
+        <p:nvPicPr>
+          <p:cNvPr id="6" name="コンテンツ プレースホルダー 5" descr="グラフィカル ユーザー インターフェイス, アプリケーション&#10;&#10;AI 生成コンテンツは誤りを含む可能性があります。">
+            <a:extLst>
+              <a:ext uri="{FF2B5EF4-FFF2-40B4-BE49-F238E27FC236}">
+                <a16:creationId xmlns:a16="http://schemas.microsoft.com/office/drawing/2014/main" id="{D2628154-9046-26F3-11B3-C3319994E4CE}"/>
+              </a:ext>
+            </a:extLst>
+          </p:cNvPr>
+          <p:cNvPicPr>
+            <a:picLocks noChangeAspect="1"/>
+          </p:cNvPicPr>
+          <p:nvPr/>
+        </p:nvPicPr>
+        <p:blipFill>
+          <a:blip r:embed="rId4"/>
+          <a:srcRect l="25087" r="24154"/>
+          <a:stretch>
+            <a:fillRect/>
+          </a:stretch>
+        </p:blipFill>
+        <p:spPr>
+          <a:xfrm>
+            <a:off x="9104515" y="1928888"/>
+            <a:ext cx="2910581" cy="3000223"/>
+          </a:xfrm>
+          <a:prstGeom prst="rect">
+            <a:avLst/>
+          </a:prstGeom>
+          <a:noFill/>
+          <a:ln>
+            <a:noFill/>
+          </a:ln>
+        </p:spPr>
+      </p:pic>
     </p:spTree>
     <p:extLst>
       <p:ext uri="{BB962C8B-B14F-4D97-AF65-F5344CB8AC3E}">
@@ -7707,7 +6243,7 @@
         <p:cNvPr id="1" name="">
           <a:extLst>
             <a:ext uri="{FF2B5EF4-FFF2-40B4-BE49-F238E27FC236}">
-              <a16:creationId xmlns:a16="http://schemas.microsoft.com/office/drawing/2014/main" id="{B147BA39-F584-5044-C2CD-403F26B30EFE}"/>
+              <a16:creationId xmlns:a16="http://schemas.microsoft.com/office/drawing/2014/main" id="{E3A28C0B-0F76-EA29-CD70-FC698161BF46}"/>
             </a:ext>
           </a:extLst>
         </p:cNvPr>
@@ -7727,7 +6263,7 @@
           <p:cNvPr id="7" name="タイトル 1">
             <a:extLst>
               <a:ext uri="{FF2B5EF4-FFF2-40B4-BE49-F238E27FC236}">
-                <a16:creationId xmlns:a16="http://schemas.microsoft.com/office/drawing/2014/main" id="{593A1732-4C0C-AB50-703B-38D08F38DC00}"/>
+                <a16:creationId xmlns:a16="http://schemas.microsoft.com/office/drawing/2014/main" id="{B3612199-B3DB-D7EC-E57B-6425413D971B}"/>
               </a:ext>
             </a:extLst>
           </p:cNvPr>
@@ -7804,7 +6340,7 @@
           <p:cNvPr id="2" name="タイトル 1">
             <a:extLst>
               <a:ext uri="{FF2B5EF4-FFF2-40B4-BE49-F238E27FC236}">
-                <a16:creationId xmlns:a16="http://schemas.microsoft.com/office/drawing/2014/main" id="{139DA9A5-BFDF-929A-F97F-7FE1817E122C}"/>
+                <a16:creationId xmlns:a16="http://schemas.microsoft.com/office/drawing/2014/main" id="{1611240A-0549-C065-2ABB-1B7261E5ED4A}"/>
               </a:ext>
             </a:extLst>
           </p:cNvPr>
@@ -7862,7 +6398,17 @@
                 <a:latin typeface="BIZ UDPゴシック" panose="020B0400000000000000" pitchFamily="50" charset="-128"/>
                 <a:ea typeface="BIZ UDPゴシック" panose="020B0400000000000000" pitchFamily="50" charset="-128"/>
               </a:rPr>
-              <a:t>(1)-1</a:t>
+              <a:t>(2</a:t>
+            </a:r>
+            <a:r>
+              <a:rPr lang="ja-JP" altLang="en-US" sz="3200" b="1" dirty="0">
+                <a:solidFill>
+                  <a:schemeClr val="bg1"/>
+                </a:solidFill>
+                <a:latin typeface="BIZ UDPゴシック" panose="020B0400000000000000" pitchFamily="50" charset="-128"/>
+                <a:ea typeface="BIZ UDPゴシック" panose="020B0400000000000000" pitchFamily="50" charset="-128"/>
+              </a:rPr>
+              <a:t>）</a:t>
             </a:r>
             <a:endParaRPr kumimoji="1" lang="ja-JP" altLang="en-US" sz="3200" b="1" dirty="0">
               <a:solidFill>
@@ -7874,21 +6420,357 @@
           </a:p>
         </p:txBody>
       </p:sp>
+      <p:sp>
+        <p:nvSpPr>
+          <p:cNvPr id="3" name="コンテンツ プレースホルダー 2">
+            <a:extLst>
+              <a:ext uri="{FF2B5EF4-FFF2-40B4-BE49-F238E27FC236}">
+                <a16:creationId xmlns:a16="http://schemas.microsoft.com/office/drawing/2014/main" id="{819488DE-785F-9523-3C8E-AD05BEE75BA9}"/>
+              </a:ext>
+            </a:extLst>
+          </p:cNvPr>
+          <p:cNvSpPr>
+            <a:spLocks noGrp="1"/>
+          </p:cNvSpPr>
+          <p:nvPr>
+            <p:ph idx="1"/>
+          </p:nvPr>
+        </p:nvSpPr>
+        <p:spPr>
+          <a:xfrm>
+            <a:off x="838200" y="1253331"/>
+            <a:ext cx="10515600" cy="4351338"/>
+          </a:xfrm>
+          <a:noFill/>
+          <a:ln>
+            <a:noFill/>
+          </a:ln>
+        </p:spPr>
+        <p:txBody>
+          <a:bodyPr>
+            <a:normAutofit/>
+          </a:bodyPr>
+          <a:lstStyle/>
+          <a:p>
+            <a:pPr marL="0" indent="0" defTabSz="941388">
+              <a:lnSpc>
+                <a:spcPct val="120000"/>
+              </a:lnSpc>
+              <a:buNone/>
+              <a:tabLst>
+                <a:tab pos="365125" algn="l"/>
+                <a:tab pos="1971675" algn="l"/>
+                <a:tab pos="2152650" algn="l"/>
+                <a:tab pos="3856038" algn="l"/>
+                <a:tab pos="4038600" algn="l"/>
+              </a:tabLst>
+            </a:pPr>
+            <a:r>
+              <a:rPr lang="ja-JP" altLang="en-US" dirty="0">
+                <a:solidFill>
+                  <a:schemeClr val="tx1">
+                    <a:lumMod val="75000"/>
+                    <a:lumOff val="25000"/>
+                  </a:schemeClr>
+                </a:solidFill>
+                <a:latin typeface="BIZ UDPゴシック" panose="020B0400000000000000" pitchFamily="50" charset="-128"/>
+                <a:ea typeface="BIZ UDPゴシック" panose="020B0400000000000000" pitchFamily="50" charset="-128"/>
+              </a:rPr>
+              <a:t>ログイン後に表示されるメイン画面</a:t>
+            </a:r>
+            <a:endParaRPr lang="en-US" altLang="ja-JP" dirty="0">
+              <a:solidFill>
+                <a:schemeClr val="tx1">
+                  <a:lumMod val="75000"/>
+                  <a:lumOff val="25000"/>
+                </a:schemeClr>
+              </a:solidFill>
+              <a:latin typeface="BIZ UDPゴシック" panose="020B0400000000000000" pitchFamily="50" charset="-128"/>
+              <a:ea typeface="BIZ UDPゴシック" panose="020B0400000000000000" pitchFamily="50" charset="-128"/>
+            </a:endParaRPr>
+          </a:p>
+          <a:p>
+            <a:pPr marL="0" indent="0" defTabSz="941388">
+              <a:lnSpc>
+                <a:spcPct val="120000"/>
+              </a:lnSpc>
+              <a:buNone/>
+              <a:tabLst>
+                <a:tab pos="365125" algn="l"/>
+                <a:tab pos="1971675" algn="l"/>
+                <a:tab pos="2152650" algn="l"/>
+                <a:tab pos="3856038" algn="l"/>
+                <a:tab pos="4038600" algn="l"/>
+              </a:tabLst>
+            </a:pPr>
+            <a:r>
+              <a:rPr lang="ja-JP" altLang="en-US" dirty="0">
+                <a:solidFill>
+                  <a:schemeClr val="tx1">
+                    <a:lumMod val="75000"/>
+                    <a:lumOff val="25000"/>
+                  </a:schemeClr>
+                </a:solidFill>
+                <a:latin typeface="BIZ UDPゴシック" panose="020B0400000000000000" pitchFamily="50" charset="-128"/>
+                <a:ea typeface="BIZ UDPゴシック" panose="020B0400000000000000" pitchFamily="50" charset="-128"/>
+              </a:rPr>
+              <a:t>・ </a:t>
+            </a:r>
+            <a:r>
+              <a:rPr lang="en-US" altLang="ja-JP" dirty="0">
+                <a:solidFill>
+                  <a:schemeClr val="tx1">
+                    <a:lumMod val="75000"/>
+                    <a:lumOff val="25000"/>
+                  </a:schemeClr>
+                </a:solidFill>
+                <a:latin typeface="BIZ UDPゴシック" panose="020B0400000000000000" pitchFamily="50" charset="-128"/>
+                <a:ea typeface="BIZ UDPゴシック" panose="020B0400000000000000" pitchFamily="50" charset="-128"/>
+              </a:rPr>
+              <a:t>	</a:t>
+            </a:r>
+            <a:r>
+              <a:rPr lang="ja-JP" altLang="en-US" dirty="0">
+                <a:solidFill>
+                  <a:schemeClr val="tx1">
+                    <a:lumMod val="75000"/>
+                    <a:lumOff val="25000"/>
+                  </a:schemeClr>
+                </a:solidFill>
+                <a:latin typeface="BIZ UDPゴシック" panose="020B0400000000000000" pitchFamily="50" charset="-128"/>
+                <a:ea typeface="BIZ UDPゴシック" panose="020B0400000000000000" pitchFamily="50" charset="-128"/>
+              </a:rPr>
+              <a:t>授業、提出期限がすぐわかる</a:t>
+            </a:r>
+            <a:endParaRPr lang="en-US" altLang="ja-JP" dirty="0">
+              <a:solidFill>
+                <a:schemeClr val="tx1">
+                  <a:lumMod val="75000"/>
+                  <a:lumOff val="25000"/>
+                </a:schemeClr>
+              </a:solidFill>
+              <a:latin typeface="BIZ UDPゴシック" panose="020B0400000000000000" pitchFamily="50" charset="-128"/>
+              <a:ea typeface="BIZ UDPゴシック" panose="020B0400000000000000" pitchFamily="50" charset="-128"/>
+            </a:endParaRPr>
+          </a:p>
+          <a:p>
+            <a:pPr marL="0" indent="0" defTabSz="941388">
+              <a:lnSpc>
+                <a:spcPct val="120000"/>
+              </a:lnSpc>
+              <a:buNone/>
+              <a:tabLst>
+                <a:tab pos="365125" algn="l"/>
+                <a:tab pos="1971675" algn="l"/>
+                <a:tab pos="2152650" algn="l"/>
+                <a:tab pos="3856038" algn="l"/>
+                <a:tab pos="4038600" algn="l"/>
+              </a:tabLst>
+            </a:pPr>
+            <a:r>
+              <a:rPr lang="ja-JP" altLang="en-US" dirty="0">
+                <a:solidFill>
+                  <a:schemeClr val="tx1">
+                    <a:lumMod val="75000"/>
+                    <a:lumOff val="25000"/>
+                  </a:schemeClr>
+                </a:solidFill>
+                <a:latin typeface="BIZ UDPゴシック" panose="020B0400000000000000" pitchFamily="50" charset="-128"/>
+                <a:ea typeface="BIZ UDPゴシック" panose="020B0400000000000000" pitchFamily="50" charset="-128"/>
+              </a:rPr>
+              <a:t>・ </a:t>
+            </a:r>
+            <a:r>
+              <a:rPr lang="en-US" altLang="ja-JP" dirty="0">
+                <a:solidFill>
+                  <a:schemeClr val="tx1">
+                    <a:lumMod val="75000"/>
+                    <a:lumOff val="25000"/>
+                  </a:schemeClr>
+                </a:solidFill>
+                <a:latin typeface="BIZ UDPゴシック" panose="020B0400000000000000" pitchFamily="50" charset="-128"/>
+                <a:ea typeface="BIZ UDPゴシック" panose="020B0400000000000000" pitchFamily="50" charset="-128"/>
+              </a:rPr>
+              <a:t>	</a:t>
+            </a:r>
+            <a:r>
+              <a:rPr lang="ja-JP" altLang="en-US" dirty="0">
+                <a:solidFill>
+                  <a:schemeClr val="tx1">
+                    <a:lumMod val="75000"/>
+                    <a:lumOff val="25000"/>
+                  </a:schemeClr>
+                </a:solidFill>
+                <a:latin typeface="BIZ UDPゴシック" panose="020B0400000000000000" pitchFamily="50" charset="-128"/>
+                <a:ea typeface="BIZ UDPゴシック" panose="020B0400000000000000" pitchFamily="50" charset="-128"/>
+              </a:rPr>
+              <a:t>未提出、提出済みに分かれているため、</a:t>
+            </a:r>
+            <a:br>
+              <a:rPr lang="en-US" altLang="ja-JP" dirty="0">
+                <a:solidFill>
+                  <a:schemeClr val="tx1">
+                    <a:lumMod val="75000"/>
+                    <a:lumOff val="25000"/>
+                  </a:schemeClr>
+                </a:solidFill>
+                <a:latin typeface="BIZ UDPゴシック" panose="020B0400000000000000" pitchFamily="50" charset="-128"/>
+                <a:ea typeface="BIZ UDPゴシック" panose="020B0400000000000000" pitchFamily="50" charset="-128"/>
+              </a:rPr>
+            </a:br>
+            <a:r>
+              <a:rPr lang="en-US" altLang="ja-JP" dirty="0">
+                <a:solidFill>
+                  <a:schemeClr val="tx1">
+                    <a:lumMod val="75000"/>
+                    <a:lumOff val="25000"/>
+                  </a:schemeClr>
+                </a:solidFill>
+                <a:latin typeface="BIZ UDPゴシック" panose="020B0400000000000000" pitchFamily="50" charset="-128"/>
+                <a:ea typeface="BIZ UDPゴシック" panose="020B0400000000000000" pitchFamily="50" charset="-128"/>
+              </a:rPr>
+              <a:t>	</a:t>
+            </a:r>
+            <a:r>
+              <a:rPr lang="ja-JP" altLang="en-US" dirty="0">
+                <a:solidFill>
+                  <a:schemeClr val="tx1">
+                    <a:lumMod val="75000"/>
+                    <a:lumOff val="25000"/>
+                  </a:schemeClr>
+                </a:solidFill>
+                <a:latin typeface="BIZ UDPゴシック" panose="020B0400000000000000" pitchFamily="50" charset="-128"/>
+                <a:ea typeface="BIZ UDPゴシック" panose="020B0400000000000000" pitchFamily="50" charset="-128"/>
+              </a:rPr>
+              <a:t>課題管理がしやすい</a:t>
+            </a:r>
+            <a:endParaRPr lang="en-US" altLang="ja-JP" dirty="0">
+              <a:solidFill>
+                <a:schemeClr val="tx1">
+                  <a:lumMod val="75000"/>
+                  <a:lumOff val="25000"/>
+                </a:schemeClr>
+              </a:solidFill>
+              <a:latin typeface="BIZ UDPゴシック" panose="020B0400000000000000" pitchFamily="50" charset="-128"/>
+              <a:ea typeface="BIZ UDPゴシック" panose="020B0400000000000000" pitchFamily="50" charset="-128"/>
+            </a:endParaRPr>
+          </a:p>
+          <a:p>
+            <a:pPr marL="0" indent="0" defTabSz="941388">
+              <a:lnSpc>
+                <a:spcPct val="120000"/>
+              </a:lnSpc>
+              <a:buNone/>
+              <a:tabLst>
+                <a:tab pos="365125" algn="l"/>
+                <a:tab pos="1971675" algn="l"/>
+                <a:tab pos="2152650" algn="l"/>
+                <a:tab pos="3856038" algn="l"/>
+                <a:tab pos="4038600" algn="l"/>
+              </a:tabLst>
+            </a:pPr>
+            <a:r>
+              <a:rPr lang="ja-JP" altLang="en-US" dirty="0">
+                <a:solidFill>
+                  <a:schemeClr val="tx1">
+                    <a:lumMod val="75000"/>
+                    <a:lumOff val="25000"/>
+                  </a:schemeClr>
+                </a:solidFill>
+                <a:latin typeface="BIZ UDPゴシック" panose="020B0400000000000000" pitchFamily="50" charset="-128"/>
+                <a:ea typeface="BIZ UDPゴシック" panose="020B0400000000000000" pitchFamily="50" charset="-128"/>
+              </a:rPr>
+              <a:t>・ </a:t>
+            </a:r>
+            <a:r>
+              <a:rPr lang="en-US" altLang="ja-JP" dirty="0">
+                <a:solidFill>
+                  <a:schemeClr val="tx1">
+                    <a:lumMod val="75000"/>
+                    <a:lumOff val="25000"/>
+                  </a:schemeClr>
+                </a:solidFill>
+                <a:latin typeface="BIZ UDPゴシック" panose="020B0400000000000000" pitchFamily="50" charset="-128"/>
+                <a:ea typeface="BIZ UDPゴシック" panose="020B0400000000000000" pitchFamily="50" charset="-128"/>
+              </a:rPr>
+              <a:t>	</a:t>
+            </a:r>
+            <a:r>
+              <a:rPr lang="ja-JP" altLang="en-US" dirty="0">
+                <a:solidFill>
+                  <a:schemeClr val="tx1">
+                    <a:lumMod val="75000"/>
+                    <a:lumOff val="25000"/>
+                  </a:schemeClr>
+                </a:solidFill>
+                <a:latin typeface="BIZ UDPゴシック" panose="020B0400000000000000" pitchFamily="50" charset="-128"/>
+                <a:ea typeface="BIZ UDPゴシック" panose="020B0400000000000000" pitchFamily="50" charset="-128"/>
+              </a:rPr>
+              <a:t>締め切り順や、作成日順などにソートできる</a:t>
+            </a:r>
+            <a:endParaRPr lang="en-US" altLang="ja-JP" dirty="0">
+              <a:solidFill>
+                <a:schemeClr val="tx1">
+                  <a:lumMod val="75000"/>
+                  <a:lumOff val="25000"/>
+                </a:schemeClr>
+              </a:solidFill>
+              <a:latin typeface="BIZ UDPゴシック" panose="020B0400000000000000" pitchFamily="50" charset="-128"/>
+              <a:ea typeface="BIZ UDPゴシック" panose="020B0400000000000000" pitchFamily="50" charset="-128"/>
+            </a:endParaRPr>
+          </a:p>
+        </p:txBody>
+      </p:sp>
+      <p:sp>
+        <p:nvSpPr>
+          <p:cNvPr id="4" name="スライド番号プレースホルダー 3">
+            <a:extLst>
+              <a:ext uri="{FF2B5EF4-FFF2-40B4-BE49-F238E27FC236}">
+                <a16:creationId xmlns:a16="http://schemas.microsoft.com/office/drawing/2014/main" id="{BFB46C52-84BE-9B2F-273B-9BD68F618ACE}"/>
+              </a:ext>
+            </a:extLst>
+          </p:cNvPr>
+          <p:cNvSpPr>
+            <a:spLocks noGrp="1"/>
+          </p:cNvSpPr>
+          <p:nvPr>
+            <p:ph type="sldNum" sz="quarter" idx="12"/>
+          </p:nvPr>
+        </p:nvSpPr>
+        <p:spPr/>
+        <p:txBody>
+          <a:bodyPr/>
+          <a:lstStyle/>
+          <a:p>
+            <a:fld id="{09B35E56-8F25-7F46-B724-C98981BBCD55}" type="slidenum">
+              <a:rPr kumimoji="1" lang="ja-JP" altLang="en-US" sz="2400" smtClean="0">
+                <a:solidFill>
+                  <a:schemeClr val="bg1"/>
+                </a:solidFill>
+              </a:rPr>
+              <a:t>4</a:t>
+            </a:fld>
+            <a:endParaRPr kumimoji="1" lang="ja-JP" altLang="en-US" sz="2400" dirty="0">
+              <a:solidFill>
+                <a:schemeClr val="bg1"/>
+              </a:solidFill>
+            </a:endParaRPr>
+          </a:p>
+        </p:txBody>
+      </p:sp>
       <p:pic>
         <p:nvPicPr>
-          <p:cNvPr id="6" name="コンテンツ プレースホルダー 5" descr="グラフィカル ユーザー インターフェイス, アプリケーション, Teams&#10;&#10;AI 生成コンテンツは誤りを含む可能性があります。">
-            <a:extLst>
-              <a:ext uri="{FF2B5EF4-FFF2-40B4-BE49-F238E27FC236}">
-                <a16:creationId xmlns:a16="http://schemas.microsoft.com/office/drawing/2014/main" id="{26E4BFBE-C1F4-C4C0-95EC-3E413493D78D}"/>
+          <p:cNvPr id="8" name="図 7" descr="グラフィカル ユーザー インターフェイス, アプリケーション&#10;&#10;AI 生成コンテンツは誤りを含む可能性があります。">
+            <a:extLst>
+              <a:ext uri="{FF2B5EF4-FFF2-40B4-BE49-F238E27FC236}">
+                <a16:creationId xmlns:a16="http://schemas.microsoft.com/office/drawing/2014/main" id="{5A1B9722-F1BA-A642-B1AE-5D13108481E3}"/>
               </a:ext>
             </a:extLst>
           </p:cNvPr>
           <p:cNvPicPr>
-            <a:picLocks noGrp="1" noChangeAspect="1"/>
+            <a:picLocks noChangeAspect="1"/>
           </p:cNvPicPr>
-          <p:nvPr>
-            <p:ph idx="1"/>
-          </p:nvPr>
+          <p:nvPr/>
         </p:nvPicPr>
         <p:blipFill>
           <a:blip r:embed="rId3"/>
@@ -7898,56 +6780,18 @@
         </p:blipFill>
         <p:spPr>
           <a:xfrm>
-            <a:off x="1951087" y="1252538"/>
-            <a:ext cx="8289826" cy="4352925"/>
+            <a:off x="8350682" y="1253331"/>
+            <a:ext cx="3563095" cy="3840594"/>
           </a:xfrm>
-          <a:noFill/>
-          <a:ln>
-            <a:noFill/>
-          </a:ln>
+          <a:prstGeom prst="rect">
+            <a:avLst/>
+          </a:prstGeom>
         </p:spPr>
       </p:pic>
-      <p:sp>
-        <p:nvSpPr>
-          <p:cNvPr id="4" name="スライド番号プレースホルダー 3">
-            <a:extLst>
-              <a:ext uri="{FF2B5EF4-FFF2-40B4-BE49-F238E27FC236}">
-                <a16:creationId xmlns:a16="http://schemas.microsoft.com/office/drawing/2014/main" id="{CEE5C6A0-9CBE-18BC-33B0-22129A5A020B}"/>
-              </a:ext>
-            </a:extLst>
-          </p:cNvPr>
-          <p:cNvSpPr>
-            <a:spLocks noGrp="1"/>
-          </p:cNvSpPr>
-          <p:nvPr>
-            <p:ph type="sldNum" sz="quarter" idx="12"/>
-          </p:nvPr>
-        </p:nvSpPr>
-        <p:spPr/>
-        <p:txBody>
-          <a:bodyPr/>
-          <a:lstStyle/>
-          <a:p>
-            <a:fld id="{09B35E56-8F25-7F46-B724-C98981BBCD55}" type="slidenum">
-              <a:rPr kumimoji="1" lang="ja-JP" altLang="en-US" sz="2400" smtClean="0">
-                <a:solidFill>
-                  <a:schemeClr val="bg1"/>
-                </a:solidFill>
-              </a:rPr>
-              <a:t>4</a:t>
-            </a:fld>
-            <a:endParaRPr kumimoji="1" lang="ja-JP" altLang="en-US" sz="2400" dirty="0">
-              <a:solidFill>
-                <a:schemeClr val="bg1"/>
-              </a:solidFill>
-            </a:endParaRPr>
-          </a:p>
-        </p:txBody>
-      </p:sp>
     </p:spTree>
     <p:extLst>
       <p:ext uri="{BB962C8B-B14F-4D97-AF65-F5344CB8AC3E}">
-        <p14:creationId xmlns:p14="http://schemas.microsoft.com/office/powerpoint/2010/main" val="2087540895"/>
+        <p14:creationId xmlns:p14="http://schemas.microsoft.com/office/powerpoint/2010/main" val="1957511928"/>
       </p:ext>
     </p:extLst>
   </p:cSld>
@@ -7965,7 +6809,7 @@
         <p:cNvPr id="1" name="">
           <a:extLst>
             <a:ext uri="{FF2B5EF4-FFF2-40B4-BE49-F238E27FC236}">
-              <a16:creationId xmlns:a16="http://schemas.microsoft.com/office/drawing/2014/main" id="{BD25A7D2-FF62-B082-9140-385B1DEC970B}"/>
+              <a16:creationId xmlns:a16="http://schemas.microsoft.com/office/drawing/2014/main" id="{80ABE995-A896-DCD3-BA25-81C44EE84846}"/>
             </a:ext>
           </a:extLst>
         </p:cNvPr>
@@ -7985,7 +6829,7 @@
           <p:cNvPr id="7" name="タイトル 1">
             <a:extLst>
               <a:ext uri="{FF2B5EF4-FFF2-40B4-BE49-F238E27FC236}">
-                <a16:creationId xmlns:a16="http://schemas.microsoft.com/office/drawing/2014/main" id="{C1176CD8-9850-5513-B691-ACF05108503C}"/>
+                <a16:creationId xmlns:a16="http://schemas.microsoft.com/office/drawing/2014/main" id="{5C353A48-5A35-6687-BB89-81E02F3E04E4}"/>
               </a:ext>
             </a:extLst>
           </p:cNvPr>
@@ -8062,7 +6906,7 @@
           <p:cNvPr id="2" name="タイトル 1">
             <a:extLst>
               <a:ext uri="{FF2B5EF4-FFF2-40B4-BE49-F238E27FC236}">
-                <a16:creationId xmlns:a16="http://schemas.microsoft.com/office/drawing/2014/main" id="{F0F789FE-F181-07C6-06D2-124E696BF77A}"/>
+                <a16:creationId xmlns:a16="http://schemas.microsoft.com/office/drawing/2014/main" id="{D78DDFE0-B534-4A9F-91D5-ED0CAB83382A}"/>
               </a:ext>
             </a:extLst>
           </p:cNvPr>
@@ -8120,7 +6964,7 @@
                 <a:latin typeface="BIZ UDPゴシック" panose="020B0400000000000000" pitchFamily="50" charset="-128"/>
                 <a:ea typeface="BIZ UDPゴシック" panose="020B0400000000000000" pitchFamily="50" charset="-128"/>
               </a:rPr>
-              <a:t>(1)-2</a:t>
+              <a:t>(3)</a:t>
             </a:r>
             <a:endParaRPr kumimoji="1" lang="ja-JP" altLang="en-US" sz="3200" b="1" dirty="0">
               <a:solidFill>
@@ -8132,45 +6976,236 @@
           </a:p>
         </p:txBody>
       </p:sp>
-      <p:pic>
-        <p:nvPicPr>
-          <p:cNvPr id="6" name="コンテンツ プレースホルダー 5" descr="グラフィカル ユーザー インターフェイス, アプリケーション&#10;&#10;AI 生成コンテンツは誤りを含む可能性があります。">
-            <a:extLst>
-              <a:ext uri="{FF2B5EF4-FFF2-40B4-BE49-F238E27FC236}">
-                <a16:creationId xmlns:a16="http://schemas.microsoft.com/office/drawing/2014/main" id="{5A628A5E-E47A-DC52-0F5C-0898CBE55CDF}"/>
-              </a:ext>
-            </a:extLst>
-          </p:cNvPr>
-          <p:cNvPicPr>
-            <a:picLocks noGrp="1" noChangeAspect="1"/>
-          </p:cNvPicPr>
+      <p:sp>
+        <p:nvSpPr>
+          <p:cNvPr id="3" name="コンテンツ プレースホルダー 2">
+            <a:extLst>
+              <a:ext uri="{FF2B5EF4-FFF2-40B4-BE49-F238E27FC236}">
+                <a16:creationId xmlns:a16="http://schemas.microsoft.com/office/drawing/2014/main" id="{61D65F61-252D-3800-616A-0520F9907C1D}"/>
+              </a:ext>
+            </a:extLst>
+          </p:cNvPr>
+          <p:cNvSpPr>
+            <a:spLocks noGrp="1"/>
+          </p:cNvSpPr>
           <p:nvPr>
             <p:ph idx="1"/>
           </p:nvPr>
-        </p:nvPicPr>
-        <p:blipFill>
-          <a:blip r:embed="rId3"/>
-          <a:stretch>
-            <a:fillRect/>
-          </a:stretch>
-        </p:blipFill>
+        </p:nvSpPr>
         <p:spPr>
           <a:xfrm>
-            <a:off x="1936343" y="1252538"/>
-            <a:ext cx="8319314" cy="4352925"/>
+            <a:off x="838200" y="1253331"/>
+            <a:ext cx="10515600" cy="4351338"/>
           </a:xfrm>
           <a:noFill/>
           <a:ln>
             <a:noFill/>
           </a:ln>
         </p:spPr>
-      </p:pic>
+        <p:txBody>
+          <a:bodyPr>
+            <a:normAutofit/>
+          </a:bodyPr>
+          <a:lstStyle/>
+          <a:p>
+            <a:pPr marL="0" indent="0" defTabSz="941388">
+              <a:lnSpc>
+                <a:spcPct val="120000"/>
+              </a:lnSpc>
+              <a:buNone/>
+              <a:tabLst>
+                <a:tab pos="365125" algn="l"/>
+                <a:tab pos="1971675" algn="l"/>
+                <a:tab pos="2152650" algn="l"/>
+                <a:tab pos="3856038" algn="l"/>
+                <a:tab pos="4038600" algn="l"/>
+              </a:tabLst>
+            </a:pPr>
+            <a:r>
+              <a:rPr lang="ja-JP" altLang="en-US" dirty="0">
+                <a:solidFill>
+                  <a:schemeClr val="tx1">
+                    <a:lumMod val="75000"/>
+                    <a:lumOff val="25000"/>
+                  </a:schemeClr>
+                </a:solidFill>
+                <a:latin typeface="BIZ UDPゴシック" panose="020B0400000000000000" pitchFamily="50" charset="-128"/>
+                <a:ea typeface="BIZ UDPゴシック" panose="020B0400000000000000" pitchFamily="50" charset="-128"/>
+              </a:rPr>
+              <a:t>新規課題登録画面</a:t>
+            </a:r>
+            <a:endParaRPr lang="en-US" altLang="ja-JP" dirty="0">
+              <a:solidFill>
+                <a:schemeClr val="tx1">
+                  <a:lumMod val="75000"/>
+                  <a:lumOff val="25000"/>
+                </a:schemeClr>
+              </a:solidFill>
+              <a:latin typeface="BIZ UDPゴシック" panose="020B0400000000000000" pitchFamily="50" charset="-128"/>
+              <a:ea typeface="BIZ UDPゴシック" panose="020B0400000000000000" pitchFamily="50" charset="-128"/>
+            </a:endParaRPr>
+          </a:p>
+          <a:p>
+            <a:pPr marL="0" indent="0" defTabSz="941388">
+              <a:lnSpc>
+                <a:spcPct val="120000"/>
+              </a:lnSpc>
+              <a:buNone/>
+              <a:tabLst>
+                <a:tab pos="365125" algn="l"/>
+                <a:tab pos="1971675" algn="l"/>
+                <a:tab pos="2152650" algn="l"/>
+                <a:tab pos="3856038" algn="l"/>
+                <a:tab pos="4038600" algn="l"/>
+              </a:tabLst>
+            </a:pPr>
+            <a:r>
+              <a:rPr lang="ja-JP" altLang="en-US" dirty="0">
+                <a:solidFill>
+                  <a:schemeClr val="tx1">
+                    <a:lumMod val="75000"/>
+                    <a:lumOff val="25000"/>
+                  </a:schemeClr>
+                </a:solidFill>
+                <a:latin typeface="BIZ UDPゴシック" panose="020B0400000000000000" pitchFamily="50" charset="-128"/>
+                <a:ea typeface="BIZ UDPゴシック" panose="020B0400000000000000" pitchFamily="50" charset="-128"/>
+              </a:rPr>
+              <a:t>・</a:t>
+            </a:r>
+            <a:r>
+              <a:rPr lang="en-US" altLang="ja-JP" dirty="0">
+                <a:solidFill>
+                  <a:schemeClr val="tx1">
+                    <a:lumMod val="75000"/>
+                    <a:lumOff val="25000"/>
+                  </a:schemeClr>
+                </a:solidFill>
+                <a:latin typeface="BIZ UDPゴシック" panose="020B0400000000000000" pitchFamily="50" charset="-128"/>
+                <a:ea typeface="BIZ UDPゴシック" panose="020B0400000000000000" pitchFamily="50" charset="-128"/>
+              </a:rPr>
+              <a:t>	</a:t>
+            </a:r>
+            <a:r>
+              <a:rPr lang="ja-JP" altLang="en-US" dirty="0">
+                <a:solidFill>
+                  <a:schemeClr val="tx1">
+                    <a:lumMod val="75000"/>
+                    <a:lumOff val="25000"/>
+                  </a:schemeClr>
+                </a:solidFill>
+                <a:latin typeface="BIZ UDPゴシック" panose="020B0400000000000000" pitchFamily="50" charset="-128"/>
+                <a:ea typeface="BIZ UDPゴシック" panose="020B0400000000000000" pitchFamily="50" charset="-128"/>
+              </a:rPr>
+              <a:t>授業名、提出期限、メモを登録できる</a:t>
+            </a:r>
+            <a:endParaRPr lang="en-US" altLang="ja-JP" dirty="0">
+              <a:solidFill>
+                <a:schemeClr val="tx1">
+                  <a:lumMod val="75000"/>
+                  <a:lumOff val="25000"/>
+                </a:schemeClr>
+              </a:solidFill>
+              <a:latin typeface="BIZ UDPゴシック" panose="020B0400000000000000" pitchFamily="50" charset="-128"/>
+              <a:ea typeface="BIZ UDPゴシック" panose="020B0400000000000000" pitchFamily="50" charset="-128"/>
+            </a:endParaRPr>
+          </a:p>
+          <a:p>
+            <a:pPr marL="0" indent="0" defTabSz="941388">
+              <a:lnSpc>
+                <a:spcPct val="120000"/>
+              </a:lnSpc>
+              <a:buNone/>
+              <a:tabLst>
+                <a:tab pos="365125" algn="l"/>
+                <a:tab pos="1971675" algn="l"/>
+                <a:tab pos="2152650" algn="l"/>
+                <a:tab pos="3856038" algn="l"/>
+                <a:tab pos="4038600" algn="l"/>
+              </a:tabLst>
+            </a:pPr>
+            <a:r>
+              <a:rPr lang="ja-JP" altLang="en-US" dirty="0">
+                <a:solidFill>
+                  <a:schemeClr val="tx1">
+                    <a:lumMod val="75000"/>
+                    <a:lumOff val="25000"/>
+                  </a:schemeClr>
+                </a:solidFill>
+                <a:latin typeface="BIZ UDPゴシック" panose="020B0400000000000000" pitchFamily="50" charset="-128"/>
+                <a:ea typeface="BIZ UDPゴシック" panose="020B0400000000000000" pitchFamily="50" charset="-128"/>
+              </a:rPr>
+              <a:t>・</a:t>
+            </a:r>
+            <a:r>
+              <a:rPr lang="en-US" altLang="ja-JP" dirty="0">
+                <a:solidFill>
+                  <a:schemeClr val="tx1">
+                    <a:lumMod val="75000"/>
+                    <a:lumOff val="25000"/>
+                  </a:schemeClr>
+                </a:solidFill>
+                <a:latin typeface="BIZ UDPゴシック" panose="020B0400000000000000" pitchFamily="50" charset="-128"/>
+                <a:ea typeface="BIZ UDPゴシック" panose="020B0400000000000000" pitchFamily="50" charset="-128"/>
+              </a:rPr>
+              <a:t>	</a:t>
+            </a:r>
+            <a:r>
+              <a:rPr lang="ja-JP" altLang="en-US" dirty="0">
+                <a:solidFill>
+                  <a:schemeClr val="tx1">
+                    <a:lumMod val="75000"/>
+                    <a:lumOff val="25000"/>
+                  </a:schemeClr>
+                </a:solidFill>
+                <a:latin typeface="BIZ UDPゴシック" panose="020B0400000000000000" pitchFamily="50" charset="-128"/>
+                <a:ea typeface="BIZ UDPゴシック" panose="020B0400000000000000" pitchFamily="50" charset="-128"/>
+              </a:rPr>
+              <a:t>授業管理画面で授業の追加、削除が可能</a:t>
+            </a:r>
+            <a:br>
+              <a:rPr lang="en-US" altLang="ja-JP" dirty="0">
+                <a:solidFill>
+                  <a:schemeClr val="tx1">
+                    <a:lumMod val="75000"/>
+                    <a:lumOff val="25000"/>
+                  </a:schemeClr>
+                </a:solidFill>
+                <a:latin typeface="BIZ UDPゴシック" panose="020B0400000000000000" pitchFamily="50" charset="-128"/>
+                <a:ea typeface="BIZ UDPゴシック" panose="020B0400000000000000" pitchFamily="50" charset="-128"/>
+              </a:rPr>
+            </a:br>
+            <a:r>
+              <a:rPr lang="ja-JP" altLang="en-US" dirty="0">
+                <a:solidFill>
+                  <a:schemeClr val="tx1">
+                    <a:lumMod val="75000"/>
+                    <a:lumOff val="25000"/>
+                  </a:schemeClr>
+                </a:solidFill>
+                <a:latin typeface="BIZ UDPゴシック" panose="020B0400000000000000" pitchFamily="50" charset="-128"/>
+                <a:ea typeface="BIZ UDPゴシック" panose="020B0400000000000000" pitchFamily="50" charset="-128"/>
+              </a:rPr>
+              <a:t>→授業名を何度も入力する必要がない</a:t>
+            </a:r>
+            <a:endParaRPr lang="en-US" altLang="ja-JP" dirty="0">
+              <a:solidFill>
+                <a:schemeClr val="tx1">
+                  <a:lumMod val="75000"/>
+                  <a:lumOff val="25000"/>
+                </a:schemeClr>
+              </a:solidFill>
+              <a:latin typeface="BIZ UDPゴシック" panose="020B0400000000000000" pitchFamily="50" charset="-128"/>
+              <a:ea typeface="BIZ UDPゴシック" panose="020B0400000000000000" pitchFamily="50" charset="-128"/>
+            </a:endParaRPr>
+          </a:p>
+        </p:txBody>
+      </p:sp>
       <p:sp>
         <p:nvSpPr>
           <p:cNvPr id="4" name="スライド番号プレースホルダー 3">
             <a:extLst>
               <a:ext uri="{FF2B5EF4-FFF2-40B4-BE49-F238E27FC236}">
-                <a16:creationId xmlns:a16="http://schemas.microsoft.com/office/drawing/2014/main" id="{810E154A-ECDE-3E92-CAA5-24A60A38B74C}"/>
+                <a16:creationId xmlns:a16="http://schemas.microsoft.com/office/drawing/2014/main" id="{CF8AABA0-09FD-8BB8-B212-6998B509AC7C}"/>
               </a:ext>
             </a:extLst>
           </p:cNvPr>
@@ -8202,10 +7237,75 @@
           </a:p>
         </p:txBody>
       </p:sp>
+      <p:pic>
+        <p:nvPicPr>
+          <p:cNvPr id="5" name="コンテンツ プレースホルダー 5" descr="グラフィカル ユーザー インターフェイス, アプリケーション, Teams&#10;&#10;AI 生成コンテンツは誤りを含む可能性があります。">
+            <a:extLst>
+              <a:ext uri="{FF2B5EF4-FFF2-40B4-BE49-F238E27FC236}">
+                <a16:creationId xmlns:a16="http://schemas.microsoft.com/office/drawing/2014/main" id="{7442C12F-DA64-B93E-C411-ABCA5E607A70}"/>
+              </a:ext>
+            </a:extLst>
+          </p:cNvPr>
+          <p:cNvPicPr>
+            <a:picLocks noChangeAspect="1"/>
+          </p:cNvPicPr>
+          <p:nvPr/>
+        </p:nvPicPr>
+        <p:blipFill>
+          <a:blip r:embed="rId3"/>
+          <a:srcRect l="29491" r="29557" b="11138"/>
+          <a:stretch>
+            <a:fillRect/>
+          </a:stretch>
+        </p:blipFill>
+        <p:spPr>
+          <a:xfrm>
+            <a:off x="8152707" y="1553195"/>
+            <a:ext cx="3441469" cy="3868102"/>
+          </a:xfrm>
+          <a:prstGeom prst="rect">
+            <a:avLst/>
+          </a:prstGeom>
+          <a:noFill/>
+          <a:ln>
+            <a:noFill/>
+          </a:ln>
+        </p:spPr>
+      </p:pic>
+      <p:pic>
+        <p:nvPicPr>
+          <p:cNvPr id="8" name="図 7" descr="グラフィカル ユーザー インターフェイス, アプリケーション, Teams&#10;&#10;AI 生成コンテンツは誤りを含む可能性があります。">
+            <a:extLst>
+              <a:ext uri="{FF2B5EF4-FFF2-40B4-BE49-F238E27FC236}">
+                <a16:creationId xmlns:a16="http://schemas.microsoft.com/office/drawing/2014/main" id="{04271FE5-1F04-9408-3432-6355E13EB1E7}"/>
+              </a:ext>
+            </a:extLst>
+          </p:cNvPr>
+          <p:cNvPicPr>
+            <a:picLocks noChangeAspect="1"/>
+          </p:cNvPicPr>
+          <p:nvPr/>
+        </p:nvPicPr>
+        <p:blipFill>
+          <a:blip r:embed="rId4"/>
+          <a:stretch>
+            <a:fillRect/>
+          </a:stretch>
+        </p:blipFill>
+        <p:spPr>
+          <a:xfrm>
+            <a:off x="4911436" y="3721968"/>
+            <a:ext cx="2671157" cy="2285227"/>
+          </a:xfrm>
+          <a:prstGeom prst="rect">
+            <a:avLst/>
+          </a:prstGeom>
+        </p:spPr>
+      </p:pic>
     </p:spTree>
     <p:extLst>
       <p:ext uri="{BB962C8B-B14F-4D97-AF65-F5344CB8AC3E}">
-        <p14:creationId xmlns:p14="http://schemas.microsoft.com/office/powerpoint/2010/main" val="2162149097"/>
+        <p14:creationId xmlns:p14="http://schemas.microsoft.com/office/powerpoint/2010/main" val="1475093117"/>
       </p:ext>
     </p:extLst>
   </p:cSld>
@@ -8223,7 +7323,7 @@
         <p:cNvPr id="1" name="">
           <a:extLst>
             <a:ext uri="{FF2B5EF4-FFF2-40B4-BE49-F238E27FC236}">
-              <a16:creationId xmlns:a16="http://schemas.microsoft.com/office/drawing/2014/main" id="{E3A28C0B-0F76-EA29-CD70-FC698161BF46}"/>
+              <a16:creationId xmlns:a16="http://schemas.microsoft.com/office/drawing/2014/main" id="{AAAA4894-E016-8B56-E555-964B01B1B4AE}"/>
             </a:ext>
           </a:extLst>
         </p:cNvPr>
@@ -8243,7 +7343,7 @@
           <p:cNvPr id="7" name="タイトル 1">
             <a:extLst>
               <a:ext uri="{FF2B5EF4-FFF2-40B4-BE49-F238E27FC236}">
-                <a16:creationId xmlns:a16="http://schemas.microsoft.com/office/drawing/2014/main" id="{B3612199-B3DB-D7EC-E57B-6425413D971B}"/>
+                <a16:creationId xmlns:a16="http://schemas.microsoft.com/office/drawing/2014/main" id="{D0BC5127-AC92-62DF-79D7-CD1E07A005C4}"/>
               </a:ext>
             </a:extLst>
           </p:cNvPr>
@@ -8320,7 +7420,7 @@
           <p:cNvPr id="2" name="タイトル 1">
             <a:extLst>
               <a:ext uri="{FF2B5EF4-FFF2-40B4-BE49-F238E27FC236}">
-                <a16:creationId xmlns:a16="http://schemas.microsoft.com/office/drawing/2014/main" id="{1611240A-0549-C065-2ABB-1B7261E5ED4A}"/>
+                <a16:creationId xmlns:a16="http://schemas.microsoft.com/office/drawing/2014/main" id="{25ECC387-1C9A-B9E5-1C26-1C85962D93D5}"/>
               </a:ext>
             </a:extLst>
           </p:cNvPr>
@@ -8378,17 +7478,7 @@
                 <a:latin typeface="BIZ UDPゴシック" panose="020B0400000000000000" pitchFamily="50" charset="-128"/>
                 <a:ea typeface="BIZ UDPゴシック" panose="020B0400000000000000" pitchFamily="50" charset="-128"/>
               </a:rPr>
-              <a:t>(2</a:t>
-            </a:r>
-            <a:r>
-              <a:rPr lang="ja-JP" altLang="en-US" sz="3200" b="1" dirty="0">
-                <a:solidFill>
-                  <a:schemeClr val="bg1"/>
-                </a:solidFill>
-                <a:latin typeface="BIZ UDPゴシック" panose="020B0400000000000000" pitchFamily="50" charset="-128"/>
-                <a:ea typeface="BIZ UDPゴシック" panose="020B0400000000000000" pitchFamily="50" charset="-128"/>
-              </a:rPr>
-              <a:t>）</a:t>
+              <a:t>(4)</a:t>
             </a:r>
             <a:endParaRPr kumimoji="1" lang="ja-JP" altLang="en-US" sz="3200" b="1" dirty="0">
               <a:solidFill>
@@ -8405,7 +7495,7 @@
           <p:cNvPr id="3" name="コンテンツ プレースホルダー 2">
             <a:extLst>
               <a:ext uri="{FF2B5EF4-FFF2-40B4-BE49-F238E27FC236}">
-                <a16:creationId xmlns:a16="http://schemas.microsoft.com/office/drawing/2014/main" id="{819488DE-785F-9523-3C8E-AD05BEE75BA9}"/>
+                <a16:creationId xmlns:a16="http://schemas.microsoft.com/office/drawing/2014/main" id="{5BDCD384-30F8-E590-2F2D-12B65CA7B883}"/>
               </a:ext>
             </a:extLst>
           </p:cNvPr>
@@ -8456,7 +7546,7 @@
                 <a:latin typeface="BIZ UDPゴシック" panose="020B0400000000000000" pitchFamily="50" charset="-128"/>
                 <a:ea typeface="BIZ UDPゴシック" panose="020B0400000000000000" pitchFamily="50" charset="-128"/>
               </a:rPr>
-              <a:t>ログイン後に表示されるメイン画面</a:t>
+              <a:t>課題編集画面</a:t>
             </a:r>
             <a:endParaRPr lang="en-US" altLang="ja-JP" dirty="0">
               <a:solidFill>
@@ -8494,7 +7584,7 @@
                 <a:latin typeface="BIZ UDPゴシック" panose="020B0400000000000000" pitchFamily="50" charset="-128"/>
                 <a:ea typeface="BIZ UDPゴシック" panose="020B0400000000000000" pitchFamily="50" charset="-128"/>
               </a:rPr>
-              <a:t>・ </a:t>
+              <a:t>・</a:t>
             </a:r>
             <a:r>
               <a:rPr lang="en-US" altLang="ja-JP" dirty="0">
@@ -8520,7 +7610,7 @@
                 <a:latin typeface="BIZ UDPゴシック" panose="020B0400000000000000" pitchFamily="50" charset="-128"/>
                 <a:ea typeface="BIZ UDPゴシック" panose="020B0400000000000000" pitchFamily="50" charset="-128"/>
               </a:rPr>
-              <a:t>授業、提出期限がすぐわかる</a:t>
+              <a:t>既存の課題を編集</a:t>
             </a:r>
             <a:endParaRPr lang="en-US" altLang="ja-JP" dirty="0">
               <a:solidFill>
@@ -8558,7 +7648,7 @@
                 <a:latin typeface="BIZ UDPゴシック" panose="020B0400000000000000" pitchFamily="50" charset="-128"/>
                 <a:ea typeface="BIZ UDPゴシック" panose="020B0400000000000000" pitchFamily="50" charset="-128"/>
               </a:rPr>
-              <a:t>・ </a:t>
+              <a:t>・</a:t>
             </a:r>
             <a:r>
               <a:rPr lang="en-US" altLang="ja-JP" dirty="0">
@@ -8584,7 +7674,7 @@
                 <a:latin typeface="BIZ UDPゴシック" panose="020B0400000000000000" pitchFamily="50" charset="-128"/>
                 <a:ea typeface="BIZ UDPゴシック" panose="020B0400000000000000" pitchFamily="50" charset="-128"/>
               </a:rPr>
-              <a:t>未提出、提出済みに分かれているため、</a:t>
+              <a:t>提出状況を変更することで、</a:t>
             </a:r>
             <a:br>
               <a:rPr lang="en-US" altLang="ja-JP" dirty="0">
@@ -8622,7 +7712,7 @@
                 <a:latin typeface="BIZ UDPゴシック" panose="020B0400000000000000" pitchFamily="50" charset="-128"/>
                 <a:ea typeface="BIZ UDPゴシック" panose="020B0400000000000000" pitchFamily="50" charset="-128"/>
               </a:rPr>
-              <a:t>課題管理がしやすい</a:t>
+              <a:t>メイン画面にも反映される</a:t>
             </a:r>
             <a:endParaRPr lang="en-US" altLang="ja-JP" dirty="0">
               <a:solidFill>
@@ -8642,52 +7732,12 @@
               </a:lnSpc>
               <a:buNone/>
               <a:tabLst>
-                <a:tab pos="365125" algn="l"/>
                 <a:tab pos="1971675" algn="l"/>
                 <a:tab pos="2152650" algn="l"/>
                 <a:tab pos="3856038" algn="l"/>
                 <a:tab pos="4038600" algn="l"/>
               </a:tabLst>
             </a:pPr>
-            <a:r>
-              <a:rPr lang="ja-JP" altLang="en-US" dirty="0">
-                <a:solidFill>
-                  <a:schemeClr val="tx1">
-                    <a:lumMod val="75000"/>
-                    <a:lumOff val="25000"/>
-                  </a:schemeClr>
-                </a:solidFill>
-                <a:latin typeface="BIZ UDPゴシック" panose="020B0400000000000000" pitchFamily="50" charset="-128"/>
-                <a:ea typeface="BIZ UDPゴシック" panose="020B0400000000000000" pitchFamily="50" charset="-128"/>
-              </a:rPr>
-              <a:t>・ </a:t>
-            </a:r>
-            <a:r>
-              <a:rPr lang="en-US" altLang="ja-JP" dirty="0">
-                <a:solidFill>
-                  <a:schemeClr val="tx1">
-                    <a:lumMod val="75000"/>
-                    <a:lumOff val="25000"/>
-                  </a:schemeClr>
-                </a:solidFill>
-                <a:latin typeface="BIZ UDPゴシック" panose="020B0400000000000000" pitchFamily="50" charset="-128"/>
-                <a:ea typeface="BIZ UDPゴシック" panose="020B0400000000000000" pitchFamily="50" charset="-128"/>
-              </a:rPr>
-              <a:t>	</a:t>
-            </a:r>
-            <a:r>
-              <a:rPr lang="ja-JP" altLang="en-US" dirty="0">
-                <a:solidFill>
-                  <a:schemeClr val="tx1">
-                    <a:lumMod val="75000"/>
-                    <a:lumOff val="25000"/>
-                  </a:schemeClr>
-                </a:solidFill>
-                <a:latin typeface="BIZ UDPゴシック" panose="020B0400000000000000" pitchFamily="50" charset="-128"/>
-                <a:ea typeface="BIZ UDPゴシック" panose="020B0400000000000000" pitchFamily="50" charset="-128"/>
-              </a:rPr>
-              <a:t>締め切り順や、作成日順などにソートできる</a:t>
-            </a:r>
             <a:endParaRPr lang="en-US" altLang="ja-JP" dirty="0">
               <a:solidFill>
                 <a:schemeClr val="tx1">
@@ -8706,7 +7756,7 @@
           <p:cNvPr id="4" name="スライド番号プレースホルダー 3">
             <a:extLst>
               <a:ext uri="{FF2B5EF4-FFF2-40B4-BE49-F238E27FC236}">
-                <a16:creationId xmlns:a16="http://schemas.microsoft.com/office/drawing/2014/main" id="{BFB46C52-84BE-9B2F-273B-9BD68F618ACE}"/>
+                <a16:creationId xmlns:a16="http://schemas.microsoft.com/office/drawing/2014/main" id="{29191BC6-FBC8-1D22-895C-98900E421EEA}"/>
               </a:ext>
             </a:extLst>
           </p:cNvPr>
@@ -8738,995 +7788,72 @@
           </a:p>
         </p:txBody>
       </p:sp>
-    </p:spTree>
-    <p:extLst>
-      <p:ext uri="{BB962C8B-B14F-4D97-AF65-F5344CB8AC3E}">
-        <p14:creationId xmlns:p14="http://schemas.microsoft.com/office/powerpoint/2010/main" val="1957511928"/>
-      </p:ext>
-    </p:extLst>
-  </p:cSld>
-  <p:clrMapOvr>
-    <a:masterClrMapping/>
-  </p:clrMapOvr>
-</p:sld>
-</file>
-
-<file path=ppt/slides/slide7.xml><?xml version="1.0" encoding="utf-8"?>
-<p:sld xmlns:a="http://schemas.openxmlformats.org/drawingml/2006/main" xmlns:r="http://schemas.openxmlformats.org/officeDocument/2006/relationships" xmlns:p="http://schemas.openxmlformats.org/presentationml/2006/main">
-  <p:cSld>
-    <p:spTree>
-      <p:nvGrpSpPr>
-        <p:cNvPr id="1" name="">
-          <a:extLst>
-            <a:ext uri="{FF2B5EF4-FFF2-40B4-BE49-F238E27FC236}">
-              <a16:creationId xmlns:a16="http://schemas.microsoft.com/office/drawing/2014/main" id="{9F09D838-96AE-1640-BAD7-6897289F71A5}"/>
-            </a:ext>
-          </a:extLst>
-        </p:cNvPr>
-        <p:cNvGrpSpPr/>
-        <p:nvPr/>
-      </p:nvGrpSpPr>
-      <p:grpSpPr>
-        <a:xfrm>
-          <a:off x="0" y="0"/>
-          <a:ext cx="0" cy="0"/>
-          <a:chOff x="0" y="0"/>
-          <a:chExt cx="0" cy="0"/>
-        </a:xfrm>
-      </p:grpSpPr>
-      <p:sp>
-        <p:nvSpPr>
-          <p:cNvPr id="7" name="タイトル 1">
-            <a:extLst>
-              <a:ext uri="{FF2B5EF4-FFF2-40B4-BE49-F238E27FC236}">
-                <a16:creationId xmlns:a16="http://schemas.microsoft.com/office/drawing/2014/main" id="{B3D55B97-34D9-FB9F-C1BD-16E6B876ADF5}"/>
-              </a:ext>
-            </a:extLst>
-          </p:cNvPr>
-          <p:cNvSpPr txBox="1">
-            <a:spLocks/>
-          </p:cNvSpPr>
-          <p:nvPr/>
-        </p:nvSpPr>
-        <p:spPr>
-          <a:xfrm>
-            <a:off x="0" y="6176963"/>
-            <a:ext cx="12192000" cy="669837"/>
-          </a:xfrm>
-          <a:prstGeom prst="rect">
-            <a:avLst/>
-          </a:prstGeom>
-          <a:gradFill>
-            <a:gsLst>
-              <a:gs pos="0">
-                <a:srgbClr val="0070C0">
-                  <a:alpha val="50000"/>
-                </a:srgbClr>
-              </a:gs>
-              <a:gs pos="100000">
-                <a:srgbClr val="0070C0"/>
-              </a:gs>
-            </a:gsLst>
-            <a:lin ang="10800000" scaled="1"/>
-          </a:gradFill>
-        </p:spPr>
-        <p:txBody>
-          <a:bodyPr vert="horz" lIns="91440" tIns="45720" rIns="91440" bIns="45720" rtlCol="0" anchor="ctr">
-            <a:normAutofit lnSpcReduction="10000"/>
-          </a:bodyPr>
-          <a:lstStyle>
-            <a:lvl1pPr algn="l" defTabSz="914400" rtl="0" eaLnBrk="1" latinLnBrk="0" hangingPunct="1">
-              <a:lnSpc>
-                <a:spcPct val="90000"/>
-              </a:lnSpc>
-              <a:spcBef>
-                <a:spcPct val="0"/>
-              </a:spcBef>
-              <a:buNone/>
-              <a:defRPr kumimoji="1" sz="4400" kern="1200">
-                <a:solidFill>
-                  <a:schemeClr val="tx1"/>
-                </a:solidFill>
-                <a:latin typeface="+mj-lt"/>
-                <a:ea typeface="+mj-ea"/>
-                <a:cs typeface="+mj-cs"/>
-              </a:defRPr>
-            </a:lvl1pPr>
-          </a:lstStyle>
-          <a:p>
-            <a:r>
-              <a:rPr lang="ja-JP" altLang="en-US" b="1" dirty="0"/>
-              <a:t>　</a:t>
-            </a:r>
-            <a:r>
-              <a:rPr lang="ja-JP" altLang="en-US" sz="2400" b="1" dirty="0">
-                <a:solidFill>
-                  <a:schemeClr val="bg1"/>
-                </a:solidFill>
-                <a:latin typeface="BIZ UDPゴシック" panose="020B0400000000000000" pitchFamily="50" charset="-128"/>
-                <a:ea typeface="BIZ UDPゴシック" panose="020B0400000000000000" pitchFamily="50" charset="-128"/>
-              </a:rPr>
-              <a:t>課題管理アプリ「締切管理室」　　</a:t>
-            </a:r>
-          </a:p>
-        </p:txBody>
-      </p:sp>
-      <p:sp>
-        <p:nvSpPr>
-          <p:cNvPr id="2" name="タイトル 1">
-            <a:extLst>
-              <a:ext uri="{FF2B5EF4-FFF2-40B4-BE49-F238E27FC236}">
-                <a16:creationId xmlns:a16="http://schemas.microsoft.com/office/drawing/2014/main" id="{5D2478CB-749B-C2E7-C7B5-B53275B75809}"/>
-              </a:ext>
-            </a:extLst>
-          </p:cNvPr>
-          <p:cNvSpPr>
-            <a:spLocks noGrp="1"/>
-          </p:cNvSpPr>
-          <p:nvPr>
-            <p:ph type="title"/>
-          </p:nvPr>
-        </p:nvSpPr>
-        <p:spPr>
-          <a:xfrm>
-            <a:off x="0" y="0"/>
-            <a:ext cx="12192000" cy="980901"/>
-          </a:xfrm>
-          <a:gradFill>
-            <a:gsLst>
-              <a:gs pos="0">
-                <a:srgbClr val="0070C0">
-                  <a:alpha val="50000"/>
-                </a:srgbClr>
-              </a:gs>
-              <a:gs pos="100000">
-                <a:srgbClr val="0070C0"/>
-              </a:gs>
-            </a:gsLst>
-            <a:lin ang="10800000" scaled="1"/>
-          </a:gradFill>
-        </p:spPr>
-        <p:txBody>
-          <a:bodyPr>
-            <a:normAutofit/>
-          </a:bodyPr>
-          <a:lstStyle/>
-          <a:p>
-            <a:r>
-              <a:rPr lang="ja-JP" altLang="en-US" b="1" dirty="0"/>
-              <a:t>　</a:t>
-            </a:r>
-            <a:r>
-              <a:rPr lang="ja-JP" altLang="en-US" sz="3200" b="1" dirty="0">
-                <a:solidFill>
-                  <a:schemeClr val="bg1"/>
-                </a:solidFill>
-                <a:latin typeface="BIZ UDPゴシック" panose="020B0400000000000000" pitchFamily="50" charset="-128"/>
-                <a:ea typeface="BIZ UDPゴシック" panose="020B0400000000000000" pitchFamily="50" charset="-128"/>
-              </a:rPr>
-              <a:t>アプリケーションの説明</a:t>
-            </a:r>
-            <a:r>
-              <a:rPr lang="en-US" altLang="ja-JP" sz="3200" b="1" dirty="0">
-                <a:solidFill>
-                  <a:schemeClr val="bg1"/>
-                </a:solidFill>
-                <a:latin typeface="BIZ UDPゴシック" panose="020B0400000000000000" pitchFamily="50" charset="-128"/>
-                <a:ea typeface="BIZ UDPゴシック" panose="020B0400000000000000" pitchFamily="50" charset="-128"/>
-              </a:rPr>
-              <a:t>(2</a:t>
-            </a:r>
-            <a:r>
-              <a:rPr lang="ja-JP" altLang="en-US" sz="3200" b="1" dirty="0">
-                <a:solidFill>
-                  <a:schemeClr val="bg1"/>
-                </a:solidFill>
-                <a:latin typeface="BIZ UDPゴシック" panose="020B0400000000000000" pitchFamily="50" charset="-128"/>
-                <a:ea typeface="BIZ UDPゴシック" panose="020B0400000000000000" pitchFamily="50" charset="-128"/>
-              </a:rPr>
-              <a:t>）</a:t>
-            </a:r>
-            <a:r>
-              <a:rPr lang="en-US" altLang="ja-JP" sz="3200" b="1" dirty="0">
-                <a:solidFill>
-                  <a:schemeClr val="bg1"/>
-                </a:solidFill>
-                <a:latin typeface="BIZ UDPゴシック" panose="020B0400000000000000" pitchFamily="50" charset="-128"/>
-                <a:ea typeface="BIZ UDPゴシック" panose="020B0400000000000000" pitchFamily="50" charset="-128"/>
-              </a:rPr>
-              <a:t>-1</a:t>
-            </a:r>
-            <a:endParaRPr kumimoji="1" lang="ja-JP" altLang="en-US" sz="3200" b="1" dirty="0">
-              <a:solidFill>
-                <a:schemeClr val="bg1"/>
-              </a:solidFill>
-              <a:latin typeface="BIZ UDPゴシック" panose="020B0400000000000000" pitchFamily="50" charset="-128"/>
-              <a:ea typeface="BIZ UDPゴシック" panose="020B0400000000000000" pitchFamily="50" charset="-128"/>
-            </a:endParaRPr>
-          </a:p>
-        </p:txBody>
-      </p:sp>
       <p:pic>
         <p:nvPicPr>
-          <p:cNvPr id="6" name="コンテンツ プレースホルダー 5" descr="グラフィカル ユーザー インターフェイス, アプリケーション, Teams&#10;&#10;AI 生成コンテンツは誤りを含む可能性があります。">
-            <a:extLst>
-              <a:ext uri="{FF2B5EF4-FFF2-40B4-BE49-F238E27FC236}">
-                <a16:creationId xmlns:a16="http://schemas.microsoft.com/office/drawing/2014/main" id="{1789520E-14E3-C359-DF28-4AA3CF7329B7}"/>
+          <p:cNvPr id="5" name="コンテンツ プレースホルダー 14" descr="グラフィカル ユーザー インターフェイス, アプリケーション, Teams&#10;&#10;AI 生成コンテンツは誤りを含む可能性があります。">
+            <a:extLst>
+              <a:ext uri="{FF2B5EF4-FFF2-40B4-BE49-F238E27FC236}">
+                <a16:creationId xmlns:a16="http://schemas.microsoft.com/office/drawing/2014/main" id="{ADCA6EAA-FAE3-A282-C864-76B5E0FB8F6D}"/>
               </a:ext>
             </a:extLst>
           </p:cNvPr>
           <p:cNvPicPr>
-            <a:picLocks noGrp="1" noChangeAspect="1"/>
+            <a:picLocks noChangeAspect="1"/>
           </p:cNvPicPr>
-          <p:nvPr>
-            <p:ph idx="1"/>
-          </p:nvPr>
+          <p:nvPr/>
         </p:nvPicPr>
         <p:blipFill>
           <a:blip r:embed="rId3"/>
+          <a:srcRect l="32917" r="32588" b="3446"/>
           <a:stretch>
             <a:fillRect/>
           </a:stretch>
         </p:blipFill>
         <p:spPr>
           <a:xfrm>
-            <a:off x="1885686" y="1252538"/>
-            <a:ext cx="8420627" cy="4352925"/>
-          </a:xfrm>
-          <a:noFill/>
-          <a:ln>
-            <a:noFill/>
-          </a:ln>
-        </p:spPr>
-      </p:pic>
-      <p:sp>
-        <p:nvSpPr>
-          <p:cNvPr id="4" name="スライド番号プレースホルダー 3">
-            <a:extLst>
-              <a:ext uri="{FF2B5EF4-FFF2-40B4-BE49-F238E27FC236}">
-                <a16:creationId xmlns:a16="http://schemas.microsoft.com/office/drawing/2014/main" id="{1245A885-A0DE-E1BF-FA80-91020B80B9E4}"/>
-              </a:ext>
-            </a:extLst>
-          </p:cNvPr>
-          <p:cNvSpPr>
-            <a:spLocks noGrp="1"/>
-          </p:cNvSpPr>
-          <p:nvPr>
-            <p:ph type="sldNum" sz="quarter" idx="12"/>
-          </p:nvPr>
-        </p:nvSpPr>
-        <p:spPr/>
-        <p:txBody>
-          <a:bodyPr/>
-          <a:lstStyle/>
-          <a:p>
-            <a:fld id="{09B35E56-8F25-7F46-B724-C98981BBCD55}" type="slidenum">
-              <a:rPr kumimoji="1" lang="ja-JP" altLang="en-US" sz="2400" smtClean="0">
-                <a:solidFill>
-                  <a:schemeClr val="bg1"/>
-                </a:solidFill>
-              </a:rPr>
-              <a:t>7</a:t>
-            </a:fld>
-            <a:endParaRPr kumimoji="1" lang="ja-JP" altLang="en-US" sz="2400" dirty="0">
-              <a:solidFill>
-                <a:schemeClr val="bg1"/>
-              </a:solidFill>
-            </a:endParaRPr>
-          </a:p>
-        </p:txBody>
-      </p:sp>
-    </p:spTree>
-    <p:extLst>
-      <p:ext uri="{BB962C8B-B14F-4D97-AF65-F5344CB8AC3E}">
-        <p14:creationId xmlns:p14="http://schemas.microsoft.com/office/powerpoint/2010/main" val="331180931"/>
-      </p:ext>
-    </p:extLst>
-  </p:cSld>
-  <p:clrMapOvr>
-    <a:masterClrMapping/>
-  </p:clrMapOvr>
-</p:sld>
-</file>
-
-<file path=ppt/slides/slide8.xml><?xml version="1.0" encoding="utf-8"?>
-<p:sld xmlns:a="http://schemas.openxmlformats.org/drawingml/2006/main" xmlns:r="http://schemas.openxmlformats.org/officeDocument/2006/relationships" xmlns:p="http://schemas.openxmlformats.org/presentationml/2006/main">
-  <p:cSld>
-    <p:spTree>
-      <p:nvGrpSpPr>
-        <p:cNvPr id="1" name="">
-          <a:extLst>
-            <a:ext uri="{FF2B5EF4-FFF2-40B4-BE49-F238E27FC236}">
-              <a16:creationId xmlns:a16="http://schemas.microsoft.com/office/drawing/2014/main" id="{80ABE995-A896-DCD3-BA25-81C44EE84846}"/>
-            </a:ext>
-          </a:extLst>
-        </p:cNvPr>
-        <p:cNvGrpSpPr/>
-        <p:nvPr/>
-      </p:nvGrpSpPr>
-      <p:grpSpPr>
-        <a:xfrm>
-          <a:off x="0" y="0"/>
-          <a:ext cx="0" cy="0"/>
-          <a:chOff x="0" y="0"/>
-          <a:chExt cx="0" cy="0"/>
-        </a:xfrm>
-      </p:grpSpPr>
-      <p:sp>
-        <p:nvSpPr>
-          <p:cNvPr id="7" name="タイトル 1">
-            <a:extLst>
-              <a:ext uri="{FF2B5EF4-FFF2-40B4-BE49-F238E27FC236}">
-                <a16:creationId xmlns:a16="http://schemas.microsoft.com/office/drawing/2014/main" id="{5C353A48-5A35-6687-BB89-81E02F3E04E4}"/>
-              </a:ext>
-            </a:extLst>
-          </p:cNvPr>
-          <p:cNvSpPr txBox="1">
-            <a:spLocks/>
-          </p:cNvSpPr>
-          <p:nvPr/>
-        </p:nvSpPr>
-        <p:spPr>
-          <a:xfrm>
-            <a:off x="0" y="6176963"/>
-            <a:ext cx="12192000" cy="669837"/>
+            <a:off x="5602779" y="1036537"/>
+            <a:ext cx="2874818" cy="4201406"/>
           </a:xfrm>
           <a:prstGeom prst="rect">
             <a:avLst/>
           </a:prstGeom>
-          <a:gradFill>
-            <a:gsLst>
-              <a:gs pos="0">
-                <a:srgbClr val="0070C0">
-                  <a:alpha val="50000"/>
-                </a:srgbClr>
-              </a:gs>
-              <a:gs pos="100000">
-                <a:srgbClr val="0070C0"/>
-              </a:gs>
-            </a:gsLst>
-            <a:lin ang="10800000" scaled="1"/>
-          </a:gradFill>
         </p:spPr>
-        <p:txBody>
-          <a:bodyPr vert="horz" lIns="91440" tIns="45720" rIns="91440" bIns="45720" rtlCol="0" anchor="ctr">
-            <a:normAutofit lnSpcReduction="10000"/>
-          </a:bodyPr>
-          <a:lstStyle>
-            <a:lvl1pPr algn="l" defTabSz="914400" rtl="0" eaLnBrk="1" latinLnBrk="0" hangingPunct="1">
-              <a:lnSpc>
-                <a:spcPct val="90000"/>
-              </a:lnSpc>
-              <a:spcBef>
-                <a:spcPct val="0"/>
-              </a:spcBef>
-              <a:buNone/>
-              <a:defRPr kumimoji="1" sz="4400" kern="1200">
-                <a:solidFill>
-                  <a:schemeClr val="tx1"/>
-                </a:solidFill>
-                <a:latin typeface="+mj-lt"/>
-                <a:ea typeface="+mj-ea"/>
-                <a:cs typeface="+mj-cs"/>
-              </a:defRPr>
-            </a:lvl1pPr>
-          </a:lstStyle>
-          <a:p>
-            <a:r>
-              <a:rPr lang="ja-JP" altLang="en-US" b="1" dirty="0"/>
-              <a:t>　</a:t>
-            </a:r>
-            <a:r>
-              <a:rPr lang="ja-JP" altLang="en-US" sz="2400" b="1" dirty="0">
-                <a:solidFill>
-                  <a:schemeClr val="bg1"/>
-                </a:solidFill>
-                <a:latin typeface="BIZ UDPゴシック" panose="020B0400000000000000" pitchFamily="50" charset="-128"/>
-                <a:ea typeface="BIZ UDPゴシック" panose="020B0400000000000000" pitchFamily="50" charset="-128"/>
-              </a:rPr>
-              <a:t>課題管理アプリ「締切管理室」　　</a:t>
-            </a:r>
-          </a:p>
-        </p:txBody>
-      </p:sp>
-      <p:sp>
-        <p:nvSpPr>
-          <p:cNvPr id="2" name="タイトル 1">
-            <a:extLst>
-              <a:ext uri="{FF2B5EF4-FFF2-40B4-BE49-F238E27FC236}">
-                <a16:creationId xmlns:a16="http://schemas.microsoft.com/office/drawing/2014/main" id="{D78DDFE0-B534-4A9F-91D5-ED0CAB83382A}"/>
-              </a:ext>
-            </a:extLst>
-          </p:cNvPr>
-          <p:cNvSpPr>
-            <a:spLocks noGrp="1"/>
-          </p:cNvSpPr>
-          <p:nvPr>
-            <p:ph type="title"/>
-          </p:nvPr>
-        </p:nvSpPr>
-        <p:spPr>
-          <a:xfrm>
-            <a:off x="0" y="0"/>
-            <a:ext cx="12192000" cy="980901"/>
-          </a:xfrm>
-          <a:gradFill>
-            <a:gsLst>
-              <a:gs pos="0">
-                <a:srgbClr val="0070C0">
-                  <a:alpha val="50000"/>
-                </a:srgbClr>
-              </a:gs>
-              <a:gs pos="100000">
-                <a:srgbClr val="0070C0"/>
-              </a:gs>
-            </a:gsLst>
-            <a:lin ang="10800000" scaled="1"/>
-          </a:gradFill>
-        </p:spPr>
-        <p:txBody>
-          <a:bodyPr>
-            <a:normAutofit/>
-          </a:bodyPr>
-          <a:lstStyle/>
-          <a:p>
-            <a:r>
-              <a:rPr lang="ja-JP" altLang="en-US" b="1" dirty="0"/>
-              <a:t>　</a:t>
-            </a:r>
-            <a:r>
-              <a:rPr lang="ja-JP" altLang="en-US" sz="3200" b="1" dirty="0">
-                <a:solidFill>
-                  <a:schemeClr val="bg1"/>
-                </a:solidFill>
-                <a:latin typeface="BIZ UDPゴシック" panose="020B0400000000000000" pitchFamily="50" charset="-128"/>
-                <a:ea typeface="BIZ UDPゴシック" panose="020B0400000000000000" pitchFamily="50" charset="-128"/>
-              </a:rPr>
-              <a:t>アプリケーションの説明</a:t>
-            </a:r>
-            <a:r>
-              <a:rPr lang="en-US" altLang="ja-JP" sz="3200" b="1" dirty="0">
-                <a:solidFill>
-                  <a:schemeClr val="bg1"/>
-                </a:solidFill>
-                <a:latin typeface="BIZ UDPゴシック" panose="020B0400000000000000" pitchFamily="50" charset="-128"/>
-                <a:ea typeface="BIZ UDPゴシック" panose="020B0400000000000000" pitchFamily="50" charset="-128"/>
-              </a:rPr>
-              <a:t>(3)</a:t>
-            </a:r>
-            <a:endParaRPr kumimoji="1" lang="ja-JP" altLang="en-US" sz="3200" b="1" dirty="0">
-              <a:solidFill>
-                <a:schemeClr val="bg1"/>
-              </a:solidFill>
-              <a:latin typeface="BIZ UDPゴシック" panose="020B0400000000000000" pitchFamily="50" charset="-128"/>
-              <a:ea typeface="BIZ UDPゴシック" panose="020B0400000000000000" pitchFamily="50" charset="-128"/>
-            </a:endParaRPr>
-          </a:p>
-        </p:txBody>
-      </p:sp>
-      <p:sp>
-        <p:nvSpPr>
-          <p:cNvPr id="3" name="コンテンツ プレースホルダー 2">
-            <a:extLst>
-              <a:ext uri="{FF2B5EF4-FFF2-40B4-BE49-F238E27FC236}">
-                <a16:creationId xmlns:a16="http://schemas.microsoft.com/office/drawing/2014/main" id="{61D65F61-252D-3800-616A-0520F9907C1D}"/>
-              </a:ext>
-            </a:extLst>
-          </p:cNvPr>
-          <p:cNvSpPr>
-            <a:spLocks noGrp="1"/>
-          </p:cNvSpPr>
-          <p:nvPr>
-            <p:ph idx="1"/>
-          </p:nvPr>
-        </p:nvSpPr>
-        <p:spPr>
-          <a:xfrm>
-            <a:off x="838200" y="1253331"/>
-            <a:ext cx="10515600" cy="4351338"/>
-          </a:xfrm>
-          <a:noFill/>
-          <a:ln>
-            <a:noFill/>
-          </a:ln>
-        </p:spPr>
-        <p:txBody>
-          <a:bodyPr>
-            <a:normAutofit/>
-          </a:bodyPr>
-          <a:lstStyle/>
-          <a:p>
-            <a:pPr marL="0" indent="0" defTabSz="941388">
-              <a:lnSpc>
-                <a:spcPct val="120000"/>
-              </a:lnSpc>
-              <a:buNone/>
-              <a:tabLst>
-                <a:tab pos="365125" algn="l"/>
-                <a:tab pos="1971675" algn="l"/>
-                <a:tab pos="2152650" algn="l"/>
-                <a:tab pos="3856038" algn="l"/>
-                <a:tab pos="4038600" algn="l"/>
-              </a:tabLst>
-            </a:pPr>
-            <a:r>
-              <a:rPr lang="ja-JP" altLang="en-US" dirty="0">
-                <a:solidFill>
-                  <a:schemeClr val="tx1">
-                    <a:lumMod val="75000"/>
-                    <a:lumOff val="25000"/>
-                  </a:schemeClr>
-                </a:solidFill>
-                <a:latin typeface="BIZ UDPゴシック" panose="020B0400000000000000" pitchFamily="50" charset="-128"/>
-                <a:ea typeface="BIZ UDPゴシック" panose="020B0400000000000000" pitchFamily="50" charset="-128"/>
-              </a:rPr>
-              <a:t>新規課題登録画面</a:t>
-            </a:r>
-            <a:endParaRPr lang="en-US" altLang="ja-JP" dirty="0">
-              <a:solidFill>
-                <a:schemeClr val="tx1">
-                  <a:lumMod val="75000"/>
-                  <a:lumOff val="25000"/>
-                </a:schemeClr>
-              </a:solidFill>
-              <a:latin typeface="BIZ UDPゴシック" panose="020B0400000000000000" pitchFamily="50" charset="-128"/>
-              <a:ea typeface="BIZ UDPゴシック" panose="020B0400000000000000" pitchFamily="50" charset="-128"/>
-            </a:endParaRPr>
-          </a:p>
-          <a:p>
-            <a:pPr marL="0" indent="0" defTabSz="941388">
-              <a:lnSpc>
-                <a:spcPct val="120000"/>
-              </a:lnSpc>
-              <a:buNone/>
-              <a:tabLst>
-                <a:tab pos="365125" algn="l"/>
-                <a:tab pos="1971675" algn="l"/>
-                <a:tab pos="2152650" algn="l"/>
-                <a:tab pos="3856038" algn="l"/>
-                <a:tab pos="4038600" algn="l"/>
-              </a:tabLst>
-            </a:pPr>
-            <a:r>
-              <a:rPr lang="ja-JP" altLang="en-US" dirty="0">
-                <a:solidFill>
-                  <a:schemeClr val="tx1">
-                    <a:lumMod val="75000"/>
-                    <a:lumOff val="25000"/>
-                  </a:schemeClr>
-                </a:solidFill>
-                <a:latin typeface="BIZ UDPゴシック" panose="020B0400000000000000" pitchFamily="50" charset="-128"/>
-                <a:ea typeface="BIZ UDPゴシック" panose="020B0400000000000000" pitchFamily="50" charset="-128"/>
-              </a:rPr>
-              <a:t>・</a:t>
-            </a:r>
-            <a:r>
-              <a:rPr lang="en-US" altLang="ja-JP" dirty="0">
-                <a:solidFill>
-                  <a:schemeClr val="tx1">
-                    <a:lumMod val="75000"/>
-                    <a:lumOff val="25000"/>
-                  </a:schemeClr>
-                </a:solidFill>
-                <a:latin typeface="BIZ UDPゴシック" panose="020B0400000000000000" pitchFamily="50" charset="-128"/>
-                <a:ea typeface="BIZ UDPゴシック" panose="020B0400000000000000" pitchFamily="50" charset="-128"/>
-              </a:rPr>
-              <a:t>	</a:t>
-            </a:r>
-            <a:r>
-              <a:rPr lang="ja-JP" altLang="en-US" dirty="0">
-                <a:solidFill>
-                  <a:schemeClr val="tx1">
-                    <a:lumMod val="75000"/>
-                    <a:lumOff val="25000"/>
-                  </a:schemeClr>
-                </a:solidFill>
-                <a:latin typeface="BIZ UDPゴシック" panose="020B0400000000000000" pitchFamily="50" charset="-128"/>
-                <a:ea typeface="BIZ UDPゴシック" panose="020B0400000000000000" pitchFamily="50" charset="-128"/>
-              </a:rPr>
-              <a:t>授業名、提出期限、メモを登録できる</a:t>
-            </a:r>
-            <a:endParaRPr lang="en-US" altLang="ja-JP" dirty="0">
-              <a:solidFill>
-                <a:schemeClr val="tx1">
-                  <a:lumMod val="75000"/>
-                  <a:lumOff val="25000"/>
-                </a:schemeClr>
-              </a:solidFill>
-              <a:latin typeface="BIZ UDPゴシック" panose="020B0400000000000000" pitchFamily="50" charset="-128"/>
-              <a:ea typeface="BIZ UDPゴシック" panose="020B0400000000000000" pitchFamily="50" charset="-128"/>
-            </a:endParaRPr>
-          </a:p>
-          <a:p>
-            <a:pPr marL="0" indent="0" defTabSz="941388">
-              <a:lnSpc>
-                <a:spcPct val="120000"/>
-              </a:lnSpc>
-              <a:buNone/>
-              <a:tabLst>
-                <a:tab pos="365125" algn="l"/>
-                <a:tab pos="1971675" algn="l"/>
-                <a:tab pos="2152650" algn="l"/>
-                <a:tab pos="3856038" algn="l"/>
-                <a:tab pos="4038600" algn="l"/>
-              </a:tabLst>
-            </a:pPr>
-            <a:r>
-              <a:rPr lang="ja-JP" altLang="en-US" dirty="0">
-                <a:solidFill>
-                  <a:schemeClr val="tx1">
-                    <a:lumMod val="75000"/>
-                    <a:lumOff val="25000"/>
-                  </a:schemeClr>
-                </a:solidFill>
-                <a:latin typeface="BIZ UDPゴシック" panose="020B0400000000000000" pitchFamily="50" charset="-128"/>
-                <a:ea typeface="BIZ UDPゴシック" panose="020B0400000000000000" pitchFamily="50" charset="-128"/>
-              </a:rPr>
-              <a:t>・</a:t>
-            </a:r>
-            <a:r>
-              <a:rPr lang="en-US" altLang="ja-JP" dirty="0">
-                <a:solidFill>
-                  <a:schemeClr val="tx1">
-                    <a:lumMod val="75000"/>
-                    <a:lumOff val="25000"/>
-                  </a:schemeClr>
-                </a:solidFill>
-                <a:latin typeface="BIZ UDPゴシック" panose="020B0400000000000000" pitchFamily="50" charset="-128"/>
-                <a:ea typeface="BIZ UDPゴシック" panose="020B0400000000000000" pitchFamily="50" charset="-128"/>
-              </a:rPr>
-              <a:t>	</a:t>
-            </a:r>
-            <a:r>
-              <a:rPr lang="ja-JP" altLang="en-US" dirty="0">
-                <a:solidFill>
-                  <a:schemeClr val="tx1">
-                    <a:lumMod val="75000"/>
-                    <a:lumOff val="25000"/>
-                  </a:schemeClr>
-                </a:solidFill>
-                <a:latin typeface="BIZ UDPゴシック" panose="020B0400000000000000" pitchFamily="50" charset="-128"/>
-                <a:ea typeface="BIZ UDPゴシック" panose="020B0400000000000000" pitchFamily="50" charset="-128"/>
-              </a:rPr>
-              <a:t>授業管理画面で授業の追加、削除が可能</a:t>
-            </a:r>
-            <a:br>
-              <a:rPr lang="en-US" altLang="ja-JP" dirty="0">
-                <a:solidFill>
-                  <a:schemeClr val="tx1">
-                    <a:lumMod val="75000"/>
-                    <a:lumOff val="25000"/>
-                  </a:schemeClr>
-                </a:solidFill>
-                <a:latin typeface="BIZ UDPゴシック" panose="020B0400000000000000" pitchFamily="50" charset="-128"/>
-                <a:ea typeface="BIZ UDPゴシック" panose="020B0400000000000000" pitchFamily="50" charset="-128"/>
-              </a:rPr>
-            </a:br>
-            <a:r>
-              <a:rPr lang="ja-JP" altLang="en-US" dirty="0">
-                <a:solidFill>
-                  <a:schemeClr val="tx1">
-                    <a:lumMod val="75000"/>
-                    <a:lumOff val="25000"/>
-                  </a:schemeClr>
-                </a:solidFill>
-                <a:latin typeface="BIZ UDPゴシック" panose="020B0400000000000000" pitchFamily="50" charset="-128"/>
-                <a:ea typeface="BIZ UDPゴシック" panose="020B0400000000000000" pitchFamily="50" charset="-128"/>
-              </a:rPr>
-              <a:t>→授業名を何度も入力する必要がない</a:t>
-            </a:r>
-            <a:endParaRPr lang="en-US" altLang="ja-JP" dirty="0">
-              <a:solidFill>
-                <a:schemeClr val="tx1">
-                  <a:lumMod val="75000"/>
-                  <a:lumOff val="25000"/>
-                </a:schemeClr>
-              </a:solidFill>
-              <a:latin typeface="BIZ UDPゴシック" panose="020B0400000000000000" pitchFamily="50" charset="-128"/>
-              <a:ea typeface="BIZ UDPゴシック" panose="020B0400000000000000" pitchFamily="50" charset="-128"/>
-            </a:endParaRPr>
-          </a:p>
-        </p:txBody>
-      </p:sp>
-      <p:sp>
-        <p:nvSpPr>
-          <p:cNvPr id="4" name="スライド番号プレースホルダー 3">
-            <a:extLst>
-              <a:ext uri="{FF2B5EF4-FFF2-40B4-BE49-F238E27FC236}">
-                <a16:creationId xmlns:a16="http://schemas.microsoft.com/office/drawing/2014/main" id="{CF8AABA0-09FD-8BB8-B212-6998B509AC7C}"/>
-              </a:ext>
-            </a:extLst>
-          </p:cNvPr>
-          <p:cNvSpPr>
-            <a:spLocks noGrp="1"/>
-          </p:cNvSpPr>
-          <p:nvPr>
-            <p:ph type="sldNum" sz="quarter" idx="12"/>
-          </p:nvPr>
-        </p:nvSpPr>
-        <p:spPr/>
-        <p:txBody>
-          <a:bodyPr/>
-          <a:lstStyle/>
-          <a:p>
-            <a:fld id="{09B35E56-8F25-7F46-B724-C98981BBCD55}" type="slidenum">
-              <a:rPr kumimoji="1" lang="ja-JP" altLang="en-US" sz="2400" smtClean="0">
-                <a:solidFill>
-                  <a:schemeClr val="bg1"/>
-                </a:solidFill>
-              </a:rPr>
-              <a:t>8</a:t>
-            </a:fld>
-            <a:endParaRPr kumimoji="1" lang="ja-JP" altLang="en-US" sz="2400" dirty="0">
-              <a:solidFill>
-                <a:schemeClr val="bg1"/>
-              </a:solidFill>
-            </a:endParaRPr>
-          </a:p>
-        </p:txBody>
-      </p:sp>
-    </p:spTree>
-    <p:extLst>
-      <p:ext uri="{BB962C8B-B14F-4D97-AF65-F5344CB8AC3E}">
-        <p14:creationId xmlns:p14="http://schemas.microsoft.com/office/powerpoint/2010/main" val="1475093117"/>
-      </p:ext>
-    </p:extLst>
-  </p:cSld>
-  <p:clrMapOvr>
-    <a:masterClrMapping/>
-  </p:clrMapOvr>
-</p:sld>
-</file>
-
-<file path=ppt/slides/slide9.xml><?xml version="1.0" encoding="utf-8"?>
-<p:sld xmlns:a="http://schemas.openxmlformats.org/drawingml/2006/main" xmlns:r="http://schemas.openxmlformats.org/officeDocument/2006/relationships" xmlns:p="http://schemas.openxmlformats.org/presentationml/2006/main">
-  <p:cSld>
-    <p:spTree>
-      <p:nvGrpSpPr>
-        <p:cNvPr id="1" name="">
-          <a:extLst>
-            <a:ext uri="{FF2B5EF4-FFF2-40B4-BE49-F238E27FC236}">
-              <a16:creationId xmlns:a16="http://schemas.microsoft.com/office/drawing/2014/main" id="{CC98D35A-CB04-92AE-9914-CC7774EE5A04}"/>
-            </a:ext>
-          </a:extLst>
-        </p:cNvPr>
-        <p:cNvGrpSpPr/>
-        <p:nvPr/>
-      </p:nvGrpSpPr>
-      <p:grpSpPr>
-        <a:xfrm>
-          <a:off x="0" y="0"/>
-          <a:ext cx="0" cy="0"/>
-          <a:chOff x="0" y="0"/>
-          <a:chExt cx="0" cy="0"/>
-        </a:xfrm>
-      </p:grpSpPr>
-      <p:sp>
-        <p:nvSpPr>
-          <p:cNvPr id="7" name="タイトル 1">
-            <a:extLst>
-              <a:ext uri="{FF2B5EF4-FFF2-40B4-BE49-F238E27FC236}">
-                <a16:creationId xmlns:a16="http://schemas.microsoft.com/office/drawing/2014/main" id="{1251BBC8-C433-1E0E-497B-1048EAD2F7F8}"/>
-              </a:ext>
-            </a:extLst>
-          </p:cNvPr>
-          <p:cNvSpPr txBox="1">
-            <a:spLocks/>
-          </p:cNvSpPr>
-          <p:nvPr/>
-        </p:nvSpPr>
-        <p:spPr>
-          <a:xfrm>
-            <a:off x="0" y="6176963"/>
-            <a:ext cx="12192000" cy="669837"/>
-          </a:xfrm>
-          <a:prstGeom prst="rect">
-            <a:avLst/>
-          </a:prstGeom>
-          <a:gradFill>
-            <a:gsLst>
-              <a:gs pos="0">
-                <a:srgbClr val="0070C0">
-                  <a:alpha val="50000"/>
-                </a:srgbClr>
-              </a:gs>
-              <a:gs pos="100000">
-                <a:srgbClr val="0070C0"/>
-              </a:gs>
-            </a:gsLst>
-            <a:lin ang="10800000" scaled="1"/>
-          </a:gradFill>
-        </p:spPr>
-        <p:txBody>
-          <a:bodyPr vert="horz" lIns="91440" tIns="45720" rIns="91440" bIns="45720" rtlCol="0" anchor="ctr">
-            <a:normAutofit lnSpcReduction="10000"/>
-          </a:bodyPr>
-          <a:lstStyle>
-            <a:lvl1pPr algn="l" defTabSz="914400" rtl="0" eaLnBrk="1" latinLnBrk="0" hangingPunct="1">
-              <a:lnSpc>
-                <a:spcPct val="90000"/>
-              </a:lnSpc>
-              <a:spcBef>
-                <a:spcPct val="0"/>
-              </a:spcBef>
-              <a:buNone/>
-              <a:defRPr kumimoji="1" sz="4400" kern="1200">
-                <a:solidFill>
-                  <a:schemeClr val="tx1"/>
-                </a:solidFill>
-                <a:latin typeface="+mj-lt"/>
-                <a:ea typeface="+mj-ea"/>
-                <a:cs typeface="+mj-cs"/>
-              </a:defRPr>
-            </a:lvl1pPr>
-          </a:lstStyle>
-          <a:p>
-            <a:r>
-              <a:rPr lang="ja-JP" altLang="en-US" b="1" dirty="0"/>
-              <a:t>　</a:t>
-            </a:r>
-            <a:r>
-              <a:rPr lang="ja-JP" altLang="en-US" sz="2400" b="1" dirty="0">
-                <a:solidFill>
-                  <a:schemeClr val="bg1"/>
-                </a:solidFill>
-                <a:latin typeface="BIZ UDPゴシック" panose="020B0400000000000000" pitchFamily="50" charset="-128"/>
-                <a:ea typeface="BIZ UDPゴシック" panose="020B0400000000000000" pitchFamily="50" charset="-128"/>
-              </a:rPr>
-              <a:t>課題管理アプリ「締切管理室」　　</a:t>
-            </a:r>
-          </a:p>
-        </p:txBody>
-      </p:sp>
-      <p:sp>
-        <p:nvSpPr>
-          <p:cNvPr id="2" name="タイトル 1">
-            <a:extLst>
-              <a:ext uri="{FF2B5EF4-FFF2-40B4-BE49-F238E27FC236}">
-                <a16:creationId xmlns:a16="http://schemas.microsoft.com/office/drawing/2014/main" id="{11274CB9-306D-6C8F-FA6B-B55C376FB31B}"/>
-              </a:ext>
-            </a:extLst>
-          </p:cNvPr>
-          <p:cNvSpPr>
-            <a:spLocks noGrp="1"/>
-          </p:cNvSpPr>
-          <p:nvPr>
-            <p:ph type="title"/>
-          </p:nvPr>
-        </p:nvSpPr>
-        <p:spPr>
-          <a:xfrm>
-            <a:off x="0" y="0"/>
-            <a:ext cx="12192000" cy="980901"/>
-          </a:xfrm>
-          <a:gradFill>
-            <a:gsLst>
-              <a:gs pos="0">
-                <a:srgbClr val="0070C0">
-                  <a:alpha val="50000"/>
-                </a:srgbClr>
-              </a:gs>
-              <a:gs pos="100000">
-                <a:srgbClr val="0070C0"/>
-              </a:gs>
-            </a:gsLst>
-            <a:lin ang="10800000" scaled="1"/>
-          </a:gradFill>
-        </p:spPr>
-        <p:txBody>
-          <a:bodyPr>
-            <a:normAutofit/>
-          </a:bodyPr>
-          <a:lstStyle/>
-          <a:p>
-            <a:r>
-              <a:rPr lang="ja-JP" altLang="en-US" b="1" dirty="0"/>
-              <a:t>　</a:t>
-            </a:r>
-            <a:r>
-              <a:rPr lang="ja-JP" altLang="en-US" sz="3200" b="1" dirty="0">
-                <a:solidFill>
-                  <a:schemeClr val="bg1"/>
-                </a:solidFill>
-                <a:latin typeface="BIZ UDPゴシック" panose="020B0400000000000000" pitchFamily="50" charset="-128"/>
-                <a:ea typeface="BIZ UDPゴシック" panose="020B0400000000000000" pitchFamily="50" charset="-128"/>
-              </a:rPr>
-              <a:t>アプリケーションの説明</a:t>
-            </a:r>
-            <a:r>
-              <a:rPr lang="en-US" altLang="ja-JP" sz="3200" b="1" dirty="0">
-                <a:solidFill>
-                  <a:schemeClr val="bg1"/>
-                </a:solidFill>
-                <a:latin typeface="BIZ UDPゴシック" panose="020B0400000000000000" pitchFamily="50" charset="-128"/>
-                <a:ea typeface="BIZ UDPゴシック" panose="020B0400000000000000" pitchFamily="50" charset="-128"/>
-              </a:rPr>
-              <a:t>(3)-1</a:t>
-            </a:r>
-            <a:endParaRPr kumimoji="1" lang="ja-JP" altLang="en-US" sz="3200" b="1" dirty="0">
-              <a:solidFill>
-                <a:schemeClr val="bg1"/>
-              </a:solidFill>
-              <a:latin typeface="BIZ UDPゴシック" panose="020B0400000000000000" pitchFamily="50" charset="-128"/>
-              <a:ea typeface="BIZ UDPゴシック" panose="020B0400000000000000" pitchFamily="50" charset="-128"/>
-            </a:endParaRPr>
-          </a:p>
-        </p:txBody>
-      </p:sp>
+      </p:pic>
       <p:pic>
         <p:nvPicPr>
-          <p:cNvPr id="6" name="コンテンツ プレースホルダー 5" descr="グラフィカル ユーザー インターフェイス, アプリケーション, Teams&#10;&#10;AI 生成コンテンツは誤りを含む可能性があります。">
-            <a:extLst>
-              <a:ext uri="{FF2B5EF4-FFF2-40B4-BE49-F238E27FC236}">
-                <a16:creationId xmlns:a16="http://schemas.microsoft.com/office/drawing/2014/main" id="{0672A7B3-F2A4-536B-BA1F-2AFB479E459A}"/>
+          <p:cNvPr id="6" name="コンテンツ プレースホルダー 8" descr="グラフィカル ユーザー インターフェイス, アプリケーション&#10;&#10;AI 生成コンテンツは誤りを含む可能性があります。">
+            <a:extLst>
+              <a:ext uri="{FF2B5EF4-FFF2-40B4-BE49-F238E27FC236}">
+                <a16:creationId xmlns:a16="http://schemas.microsoft.com/office/drawing/2014/main" id="{3B56E2ED-C3B8-540D-54B9-3283DC49AEDD}"/>
               </a:ext>
             </a:extLst>
           </p:cNvPr>
           <p:cNvPicPr>
-            <a:picLocks noGrp="1" noChangeAspect="1"/>
+            <a:picLocks noChangeAspect="1"/>
           </p:cNvPicPr>
-          <p:nvPr>
-            <p:ph idx="1"/>
-          </p:nvPr>
+          <p:nvPr/>
         </p:nvPicPr>
         <p:blipFill>
-          <a:blip r:embed="rId3"/>
+          <a:blip r:embed="rId4"/>
+          <a:srcRect l="30097" r="29769" b="21447"/>
           <a:stretch>
             <a:fillRect/>
           </a:stretch>
         </p:blipFill>
         <p:spPr>
           <a:xfrm>
-            <a:off x="1894157" y="1252538"/>
-            <a:ext cx="8403685" cy="4352925"/>
+            <a:off x="8610600" y="1197695"/>
+            <a:ext cx="3374967" cy="3418119"/>
           </a:xfrm>
-          <a:noFill/>
-          <a:ln>
-            <a:noFill/>
-          </a:ln>
+          <a:prstGeom prst="rect">
+            <a:avLst/>
+          </a:prstGeom>
         </p:spPr>
       </p:pic>
-      <p:sp>
-        <p:nvSpPr>
-          <p:cNvPr id="4" name="スライド番号プレースホルダー 3">
-            <a:extLst>
-              <a:ext uri="{FF2B5EF4-FFF2-40B4-BE49-F238E27FC236}">
-                <a16:creationId xmlns:a16="http://schemas.microsoft.com/office/drawing/2014/main" id="{882A3C5F-C11C-3194-AA3B-41C15CE51D3B}"/>
-              </a:ext>
-            </a:extLst>
-          </p:cNvPr>
-          <p:cNvSpPr>
-            <a:spLocks noGrp="1"/>
-          </p:cNvSpPr>
-          <p:nvPr>
-            <p:ph type="sldNum" sz="quarter" idx="12"/>
-          </p:nvPr>
-        </p:nvSpPr>
-        <p:spPr/>
-        <p:txBody>
-          <a:bodyPr/>
-          <a:lstStyle/>
-          <a:p>
-            <a:fld id="{09B35E56-8F25-7F46-B724-C98981BBCD55}" type="slidenum">
-              <a:rPr kumimoji="1" lang="ja-JP" altLang="en-US" sz="2400" smtClean="0">
-                <a:solidFill>
-                  <a:schemeClr val="bg1"/>
-                </a:solidFill>
-              </a:rPr>
-              <a:t>9</a:t>
-            </a:fld>
-            <a:endParaRPr kumimoji="1" lang="ja-JP" altLang="en-US" sz="2400" dirty="0">
-              <a:solidFill>
-                <a:schemeClr val="bg1"/>
-              </a:solidFill>
-            </a:endParaRPr>
-          </a:p>
-        </p:txBody>
-      </p:sp>
     </p:spTree>
     <p:extLst>
       <p:ext uri="{BB962C8B-B14F-4D97-AF65-F5344CB8AC3E}">
-        <p14:creationId xmlns:p14="http://schemas.microsoft.com/office/powerpoint/2010/main" val="1726335134"/>
+        <p14:creationId xmlns:p14="http://schemas.microsoft.com/office/powerpoint/2010/main" val="3065957769"/>
       </p:ext>
     </p:extLst>
   </p:cSld>
